--- a/ASMI_communication.pptx.pptx
+++ b/ASMI_communication.pptx.pptx
@@ -1,20 +1,22 @@
 
 <file path=ppt/presentation.xml><?xml version="1.0" encoding="utf-8"?>
-<p:presentation xmlns:a="http://schemas.openxmlformats.org/drawingml/2006/main" xmlns:r="http://schemas.openxmlformats.org/officeDocument/2006/relationships" xmlns:mc="http://schemas.openxmlformats.org/markup-compatibility/2006" xmlns:mv="urn:schemas-microsoft-com:mac:vml" xmlns:p="http://schemas.openxmlformats.org/presentationml/2006/main" xmlns:c="http://schemas.openxmlformats.org/drawingml/2006/chart" xmlns:dgm="http://schemas.openxmlformats.org/drawingml/2006/diagram" xmlns:o="urn:schemas-microsoft-com:office:office" xmlns:v="urn:schemas-microsoft-com:vml" xmlns:pvml="urn:schemas-microsoft-com:office:powerpoint" xmlns:com="http://schemas.openxmlformats.org/drawingml/2006/compatibility" xmlns:p14="http://schemas.microsoft.com/office/powerpoint/2010/main" xmlns:p15="http://schemas.microsoft.com/office/powerpoint/2012/main" autoCompressPictures="0" strictFirstAndLastChars="0" saveSubsetFonts="1">
+<p:presentation xmlns:a="http://schemas.openxmlformats.org/drawingml/2006/main" xmlns:r="http://schemas.openxmlformats.org/officeDocument/2006/relationships" xmlns:p="http://schemas.openxmlformats.org/presentationml/2006/main" strictFirstAndLastChars="0" saveSubsetFonts="1" autoCompressPictures="0">
   <p:sldMasterIdLst>
-    <p:sldMasterId id="2147483659" r:id="rId4"/>
+    <p:sldMasterId id="2147483659" r:id="rId1"/>
   </p:sldMasterIdLst>
   <p:notesMasterIdLst>
-    <p:notesMasterId r:id="rId5"/>
+    <p:notesMasterId r:id="rId6"/>
   </p:notesMasterIdLst>
   <p:sldIdLst>
-    <p:sldId id="256" r:id="rId6"/>
-    <p:sldId id="257" r:id="rId7"/>
+    <p:sldId id="256" r:id="rId2"/>
+    <p:sldId id="257" r:id="rId3"/>
+    <p:sldId id="259" r:id="rId4"/>
+    <p:sldId id="260" r:id="rId5"/>
   </p:sldIdLst>
-  <p:sldSz cy="5143500" cx="9144000"/>
+  <p:sldSz cx="9144000" cy="5143500" type="screen16x9"/>
   <p:notesSz cx="6858000" cy="9144000"/>
   <p:defaultTextStyle>
-    <a:defPPr lvl="0" marR="0" rtl="0" algn="l">
+    <a:defPPr marR="0" lvl="0" algn="l" rtl="0">
       <a:lnSpc>
         <a:spcPct val="100000"/>
       </a:lnSpc>
@@ -25,7 +27,7 @@
         <a:spcPts val="0"/>
       </a:spcAft>
     </a:defPPr>
-    <a:lvl1pPr lvl="0" marR="0" rtl="0" algn="l">
+    <a:lvl1pPr marR="0" lvl="0" algn="l" rtl="0">
       <a:lnSpc>
         <a:spcPct val="100000"/>
       </a:lnSpc>
@@ -39,7 +41,7 @@
         <a:srgbClr val="000000"/>
       </a:buClr>
       <a:buFont typeface="Arial"/>
-      <a:defRPr b="0" i="0" sz="1400" u="none" cap="none" strike="noStrike">
+      <a:defRPr sz="1400" b="0" i="0" u="none" strike="noStrike" cap="none">
         <a:solidFill>
           <a:srgbClr val="000000"/>
         </a:solidFill>
@@ -49,7 +51,7 @@
         <a:sym typeface="Arial"/>
       </a:defRPr>
     </a:lvl1pPr>
-    <a:lvl2pPr lvl="1" marR="0" rtl="0" algn="l">
+    <a:lvl2pPr marR="0" lvl="1" algn="l" rtl="0">
       <a:lnSpc>
         <a:spcPct val="100000"/>
       </a:lnSpc>
@@ -63,7 +65,7 @@
         <a:srgbClr val="000000"/>
       </a:buClr>
       <a:buFont typeface="Arial"/>
-      <a:defRPr b="0" i="0" sz="1400" u="none" cap="none" strike="noStrike">
+      <a:defRPr sz="1400" b="0" i="0" u="none" strike="noStrike" cap="none">
         <a:solidFill>
           <a:srgbClr val="000000"/>
         </a:solidFill>
@@ -73,7 +75,7 @@
         <a:sym typeface="Arial"/>
       </a:defRPr>
     </a:lvl2pPr>
-    <a:lvl3pPr lvl="2" marR="0" rtl="0" algn="l">
+    <a:lvl3pPr marR="0" lvl="2" algn="l" rtl="0">
       <a:lnSpc>
         <a:spcPct val="100000"/>
       </a:lnSpc>
@@ -87,7 +89,7 @@
         <a:srgbClr val="000000"/>
       </a:buClr>
       <a:buFont typeface="Arial"/>
-      <a:defRPr b="0" i="0" sz="1400" u="none" cap="none" strike="noStrike">
+      <a:defRPr sz="1400" b="0" i="0" u="none" strike="noStrike" cap="none">
         <a:solidFill>
           <a:srgbClr val="000000"/>
         </a:solidFill>
@@ -97,7 +99,7 @@
         <a:sym typeface="Arial"/>
       </a:defRPr>
     </a:lvl3pPr>
-    <a:lvl4pPr lvl="3" marR="0" rtl="0" algn="l">
+    <a:lvl4pPr marR="0" lvl="3" algn="l" rtl="0">
       <a:lnSpc>
         <a:spcPct val="100000"/>
       </a:lnSpc>
@@ -111,7 +113,7 @@
         <a:srgbClr val="000000"/>
       </a:buClr>
       <a:buFont typeface="Arial"/>
-      <a:defRPr b="0" i="0" sz="1400" u="none" cap="none" strike="noStrike">
+      <a:defRPr sz="1400" b="0" i="0" u="none" strike="noStrike" cap="none">
         <a:solidFill>
           <a:srgbClr val="000000"/>
         </a:solidFill>
@@ -121,7 +123,7 @@
         <a:sym typeface="Arial"/>
       </a:defRPr>
     </a:lvl4pPr>
-    <a:lvl5pPr lvl="4" marR="0" rtl="0" algn="l">
+    <a:lvl5pPr marR="0" lvl="4" algn="l" rtl="0">
       <a:lnSpc>
         <a:spcPct val="100000"/>
       </a:lnSpc>
@@ -135,7 +137,7 @@
         <a:srgbClr val="000000"/>
       </a:buClr>
       <a:buFont typeface="Arial"/>
-      <a:defRPr b="0" i="0" sz="1400" u="none" cap="none" strike="noStrike">
+      <a:defRPr sz="1400" b="0" i="0" u="none" strike="noStrike" cap="none">
         <a:solidFill>
           <a:srgbClr val="000000"/>
         </a:solidFill>
@@ -145,7 +147,7 @@
         <a:sym typeface="Arial"/>
       </a:defRPr>
     </a:lvl5pPr>
-    <a:lvl6pPr lvl="5" marR="0" rtl="0" algn="l">
+    <a:lvl6pPr marR="0" lvl="5" algn="l" rtl="0">
       <a:lnSpc>
         <a:spcPct val="100000"/>
       </a:lnSpc>
@@ -159,7 +161,7 @@
         <a:srgbClr val="000000"/>
       </a:buClr>
       <a:buFont typeface="Arial"/>
-      <a:defRPr b="0" i="0" sz="1400" u="none" cap="none" strike="noStrike">
+      <a:defRPr sz="1400" b="0" i="0" u="none" strike="noStrike" cap="none">
         <a:solidFill>
           <a:srgbClr val="000000"/>
         </a:solidFill>
@@ -169,7 +171,7 @@
         <a:sym typeface="Arial"/>
       </a:defRPr>
     </a:lvl6pPr>
-    <a:lvl7pPr lvl="6" marR="0" rtl="0" algn="l">
+    <a:lvl7pPr marR="0" lvl="6" algn="l" rtl="0">
       <a:lnSpc>
         <a:spcPct val="100000"/>
       </a:lnSpc>
@@ -183,7 +185,7 @@
         <a:srgbClr val="000000"/>
       </a:buClr>
       <a:buFont typeface="Arial"/>
-      <a:defRPr b="0" i="0" sz="1400" u="none" cap="none" strike="noStrike">
+      <a:defRPr sz="1400" b="0" i="0" u="none" strike="noStrike" cap="none">
         <a:solidFill>
           <a:srgbClr val="000000"/>
         </a:solidFill>
@@ -193,7 +195,7 @@
         <a:sym typeface="Arial"/>
       </a:defRPr>
     </a:lvl7pPr>
-    <a:lvl8pPr lvl="7" marR="0" rtl="0" algn="l">
+    <a:lvl8pPr marR="0" lvl="7" algn="l" rtl="0">
       <a:lnSpc>
         <a:spcPct val="100000"/>
       </a:lnSpc>
@@ -207,7 +209,7 @@
         <a:srgbClr val="000000"/>
       </a:buClr>
       <a:buFont typeface="Arial"/>
-      <a:defRPr b="0" i="0" sz="1400" u="none" cap="none" strike="noStrike">
+      <a:defRPr sz="1400" b="0" i="0" u="none" strike="noStrike" cap="none">
         <a:solidFill>
           <a:srgbClr val="000000"/>
         </a:solidFill>
@@ -217,7 +219,7 @@
         <a:sym typeface="Arial"/>
       </a:defRPr>
     </a:lvl8pPr>
-    <a:lvl9pPr lvl="8" marR="0" rtl="0" algn="l">
+    <a:lvl9pPr marR="0" lvl="8" algn="l" rtl="0">
       <a:lnSpc>
         <a:spcPct val="100000"/>
       </a:lnSpc>
@@ -231,7 +233,7 @@
         <a:srgbClr val="000000"/>
       </a:buClr>
       <a:buFont typeface="Arial"/>
-      <a:defRPr b="0" i="0" sz="1400" u="none" cap="none" strike="noStrike">
+      <a:defRPr sz="1400" b="0" i="0" u="none" strike="noStrike" cap="none">
         <a:solidFill>
           <a:srgbClr val="000000"/>
         </a:solidFill>
@@ -244,7 +246,7 @@
   </p:defaultTextStyle>
   <p:extLst>
     <p:ext uri="{EFAFB233-063F-42B5-8137-9DF3F51BA10A}">
-      <p15:sldGuideLst>
+      <p15:sldGuideLst xmlns:p15="http://schemas.microsoft.com/office/powerpoint/2012/main">
         <p15:guide id="1" orient="horz" pos="1620">
           <p15:clr>
             <a:srgbClr val="A4A3A4"/>
@@ -262,11 +264,16 @@
 </file>
 
 <file path=ppt/notesMasters/notesMaster1.xml><?xml version="1.0" encoding="utf-8"?>
-<p:notesMaster xmlns:a="http://schemas.openxmlformats.org/drawingml/2006/main" xmlns:r="http://schemas.openxmlformats.org/officeDocument/2006/relationships" xmlns:mc="http://schemas.openxmlformats.org/markup-compatibility/2006" xmlns:mv="urn:schemas-microsoft-com:mac:vml" xmlns:p="http://schemas.openxmlformats.org/presentationml/2006/main" xmlns:c="http://schemas.openxmlformats.org/drawingml/2006/chart" xmlns:dgm="http://schemas.openxmlformats.org/drawingml/2006/diagram" xmlns:o="urn:schemas-microsoft-com:office:office" xmlns:v="urn:schemas-microsoft-com:vml" xmlns:pvml="urn:schemas-microsoft-com:office:powerpoint" xmlns:com="http://schemas.openxmlformats.org/drawingml/2006/compatibility" xmlns:p14="http://schemas.microsoft.com/office/powerpoint/2010/main" xmlns:p15="http://schemas.microsoft.com/office/powerpoint/2012/main">
+<p:notesMaster xmlns:a="http://schemas.openxmlformats.org/drawingml/2006/main" xmlns:r="http://schemas.openxmlformats.org/officeDocument/2006/relationships" xmlns:p="http://schemas.openxmlformats.org/presentationml/2006/main">
   <p:cSld>
+    <p:bg>
+      <p:bgRef idx="1001">
+        <a:schemeClr val="bg1"/>
+      </p:bgRef>
+    </p:bg>
     <p:spTree>
       <p:nvGrpSpPr>
-        <p:cNvPr id="2" name="Shape 2"/>
+        <p:cNvPr id="1" name="Shape 2"/>
         <p:cNvGrpSpPr/>
         <p:nvPr/>
       </p:nvGrpSpPr>
@@ -281,9 +288,11 @@
       <p:sp>
         <p:nvSpPr>
           <p:cNvPr id="3" name="Google Shape;3;n"/>
-          <p:cNvSpPr/>
+          <p:cNvSpPr>
+            <a:spLocks noGrp="1" noRot="1" noChangeAspect="1"/>
+          </p:cNvSpPr>
           <p:nvPr>
-            <p:ph idx="2" type="sldImg"/>
+            <p:ph type="sldImg" idx="2"/>
           </p:nvPr>
         </p:nvSpPr>
         <p:spPr>
@@ -292,9 +301,13 @@
             <a:ext cx="6096075" cy="3429000"/>
           </a:xfrm>
           <a:custGeom>
-            <a:rect b="b" l="l" r="r" t="t"/>
+            <a:avLst/>
+            <a:gdLst/>
+            <a:ahLst/>
+            <a:cxnLst/>
+            <a:rect l="l" t="t" r="r" b="b"/>
             <a:pathLst>
-              <a:path extrusionOk="0" h="120000" w="120000">
+              <a:path w="120000" h="120000" extrusionOk="0">
                 <a:moveTo>
                   <a:pt x="0" y="0"/>
                 </a:moveTo>
@@ -312,23 +325,25 @@
             </a:pathLst>
           </a:custGeom>
           <a:noFill/>
-          <a:ln cap="flat" cmpd="sng" w="9525">
+          <a:ln w="9525" cap="flat" cmpd="sng">
             <a:solidFill>
               <a:srgbClr val="000000"/>
             </a:solidFill>
             <a:prstDash val="solid"/>
             <a:round/>
-            <a:headEnd len="sm" w="sm" type="none"/>
-            <a:tailEnd len="sm" w="sm" type="none"/>
+            <a:headEnd type="none" w="sm" len="sm"/>
+            <a:tailEnd type="none" w="sm" len="sm"/>
           </a:ln>
         </p:spPr>
       </p:sp>
       <p:sp>
         <p:nvSpPr>
           <p:cNvPr id="4" name="Google Shape;4;n"/>
-          <p:cNvSpPr txBox="1"/>
+          <p:cNvSpPr txBox="1">
+            <a:spLocks noGrp="1"/>
+          </p:cNvSpPr>
           <p:nvPr>
-            <p:ph idx="1" type="body"/>
+            <p:ph type="body" idx="1"/>
           </p:nvPr>
         </p:nvSpPr>
         <p:spPr>
@@ -345,11 +360,11 @@
           </a:ln>
         </p:spPr>
         <p:txBody>
-          <a:bodyPr anchorCtr="0" anchor="t" bIns="91425" lIns="91425" spcFirstLastPara="1" rIns="91425" wrap="square" tIns="91425">
+          <a:bodyPr spcFirstLastPara="1" wrap="square" lIns="91425" tIns="91425" rIns="91425" bIns="91425" anchor="t" anchorCtr="0">
             <a:noAutofit/>
           </a:bodyPr>
           <a:lstStyle>
-            <a:lvl1pPr indent="-298450" lvl="0" marL="457200">
+            <a:lvl1pPr marL="457200" lvl="0" indent="-298450">
               <a:spcBef>
                 <a:spcPts val="0"/>
               </a:spcBef>
@@ -360,7 +375,7 @@
               <a:buChar char="●"/>
               <a:defRPr sz="1100"/>
             </a:lvl1pPr>
-            <a:lvl2pPr indent="-298450" lvl="1" marL="914400">
+            <a:lvl2pPr marL="914400" lvl="1" indent="-298450">
               <a:spcBef>
                 <a:spcPts val="0"/>
               </a:spcBef>
@@ -371,7 +386,7 @@
               <a:buChar char="○"/>
               <a:defRPr sz="1100"/>
             </a:lvl2pPr>
-            <a:lvl3pPr indent="-298450" lvl="2" marL="1371600">
+            <a:lvl3pPr marL="1371600" lvl="2" indent="-298450">
               <a:spcBef>
                 <a:spcPts val="0"/>
               </a:spcBef>
@@ -382,7 +397,7 @@
               <a:buChar char="■"/>
               <a:defRPr sz="1100"/>
             </a:lvl3pPr>
-            <a:lvl4pPr indent="-298450" lvl="3" marL="1828800">
+            <a:lvl4pPr marL="1828800" lvl="3" indent="-298450">
               <a:spcBef>
                 <a:spcPts val="0"/>
               </a:spcBef>
@@ -393,7 +408,7 @@
               <a:buChar char="●"/>
               <a:defRPr sz="1100"/>
             </a:lvl4pPr>
-            <a:lvl5pPr indent="-298450" lvl="4" marL="2286000">
+            <a:lvl5pPr marL="2286000" lvl="4" indent="-298450">
               <a:spcBef>
                 <a:spcPts val="0"/>
               </a:spcBef>
@@ -404,7 +419,7 @@
               <a:buChar char="○"/>
               <a:defRPr sz="1100"/>
             </a:lvl5pPr>
-            <a:lvl6pPr indent="-298450" lvl="5" marL="2743200">
+            <a:lvl6pPr marL="2743200" lvl="5" indent="-298450">
               <a:spcBef>
                 <a:spcPts val="0"/>
               </a:spcBef>
@@ -415,7 +430,7 @@
               <a:buChar char="■"/>
               <a:defRPr sz="1100"/>
             </a:lvl6pPr>
-            <a:lvl7pPr indent="-298450" lvl="6" marL="3200400">
+            <a:lvl7pPr marL="3200400" lvl="6" indent="-298450">
               <a:spcBef>
                 <a:spcPts val="0"/>
               </a:spcBef>
@@ -426,7 +441,7 @@
               <a:buChar char="●"/>
               <a:defRPr sz="1100"/>
             </a:lvl7pPr>
-            <a:lvl8pPr indent="-298450" lvl="7" marL="3657600">
+            <a:lvl8pPr marL="3657600" lvl="7" indent="-298450">
               <a:spcBef>
                 <a:spcPts val="0"/>
               </a:spcBef>
@@ -437,7 +452,7 @@
               <a:buChar char="○"/>
               <a:defRPr sz="1100"/>
             </a:lvl8pPr>
-            <a:lvl9pPr indent="-298450" lvl="8" marL="4114800">
+            <a:lvl9pPr marL="4114800" lvl="8" indent="-298450">
               <a:spcBef>
                 <a:spcPts val="0"/>
               </a:spcBef>
@@ -449,14 +464,21 @@
               <a:defRPr sz="1100"/>
             </a:lvl9pPr>
           </a:lstStyle>
-          <a:p/>
+          <a:p>
+            <a:endParaRPr/>
+          </a:p>
         </p:txBody>
       </p:sp>
     </p:spTree>
+    <p:extLst>
+      <p:ext uri="{BB962C8B-B14F-4D97-AF65-F5344CB8AC3E}">
+        <p14:creationId xmlns:p14="http://schemas.microsoft.com/office/powerpoint/2010/main" val="3253909870"/>
+      </p:ext>
+    </p:extLst>
   </p:cSld>
-  <p:clrMap accent1="accent1" accent2="accent2" accent3="accent3" accent4="accent4" accent5="accent5" accent6="accent6" bg1="lt1" bg2="dk2" tx1="dk1" tx2="lt2" folHlink="folHlink" hlink="hlink"/>
+  <p:clrMap bg1="lt1" tx1="dk1" bg2="dk2" tx2="lt2" accent1="accent1" accent2="accent2" accent3="accent3" accent4="accent4" accent5="accent5" accent6="accent6" hlink="hlink" folHlink="folHlink"/>
   <p:notesStyle>
-    <a:defPPr lvl="0" marR="0" rtl="0" algn="l">
+    <a:defPPr marR="0" lvl="0" algn="l" rtl="0">
       <a:lnSpc>
         <a:spcPct val="100000"/>
       </a:lnSpc>
@@ -467,7 +489,7 @@
         <a:spcPts val="0"/>
       </a:spcAft>
     </a:defPPr>
-    <a:lvl1pPr lvl="0" marR="0" rtl="0" algn="l">
+    <a:lvl1pPr marR="0" lvl="0" algn="l" rtl="0">
       <a:lnSpc>
         <a:spcPct val="100000"/>
       </a:lnSpc>
@@ -481,7 +503,7 @@
         <a:srgbClr val="000000"/>
       </a:buClr>
       <a:buFont typeface="Arial"/>
-      <a:defRPr b="0" i="0" sz="1400" u="none" cap="none" strike="noStrike">
+      <a:defRPr sz="1400" b="0" i="0" u="none" strike="noStrike" cap="none">
         <a:solidFill>
           <a:srgbClr val="000000"/>
         </a:solidFill>
@@ -491,7 +513,7 @@
         <a:sym typeface="Arial"/>
       </a:defRPr>
     </a:lvl1pPr>
-    <a:lvl2pPr lvl="1" marR="0" rtl="0" algn="l">
+    <a:lvl2pPr marR="0" lvl="1" algn="l" rtl="0">
       <a:lnSpc>
         <a:spcPct val="100000"/>
       </a:lnSpc>
@@ -505,7 +527,7 @@
         <a:srgbClr val="000000"/>
       </a:buClr>
       <a:buFont typeface="Arial"/>
-      <a:defRPr b="0" i="0" sz="1400" u="none" cap="none" strike="noStrike">
+      <a:defRPr sz="1400" b="0" i="0" u="none" strike="noStrike" cap="none">
         <a:solidFill>
           <a:srgbClr val="000000"/>
         </a:solidFill>
@@ -515,7 +537,7 @@
         <a:sym typeface="Arial"/>
       </a:defRPr>
     </a:lvl2pPr>
-    <a:lvl3pPr lvl="2" marR="0" rtl="0" algn="l">
+    <a:lvl3pPr marR="0" lvl="2" algn="l" rtl="0">
       <a:lnSpc>
         <a:spcPct val="100000"/>
       </a:lnSpc>
@@ -529,7 +551,7 @@
         <a:srgbClr val="000000"/>
       </a:buClr>
       <a:buFont typeface="Arial"/>
-      <a:defRPr b="0" i="0" sz="1400" u="none" cap="none" strike="noStrike">
+      <a:defRPr sz="1400" b="0" i="0" u="none" strike="noStrike" cap="none">
         <a:solidFill>
           <a:srgbClr val="000000"/>
         </a:solidFill>
@@ -539,7 +561,7 @@
         <a:sym typeface="Arial"/>
       </a:defRPr>
     </a:lvl3pPr>
-    <a:lvl4pPr lvl="3" marR="0" rtl="0" algn="l">
+    <a:lvl4pPr marR="0" lvl="3" algn="l" rtl="0">
       <a:lnSpc>
         <a:spcPct val="100000"/>
       </a:lnSpc>
@@ -553,7 +575,7 @@
         <a:srgbClr val="000000"/>
       </a:buClr>
       <a:buFont typeface="Arial"/>
-      <a:defRPr b="0" i="0" sz="1400" u="none" cap="none" strike="noStrike">
+      <a:defRPr sz="1400" b="0" i="0" u="none" strike="noStrike" cap="none">
         <a:solidFill>
           <a:srgbClr val="000000"/>
         </a:solidFill>
@@ -563,7 +585,7 @@
         <a:sym typeface="Arial"/>
       </a:defRPr>
     </a:lvl4pPr>
-    <a:lvl5pPr lvl="4" marR="0" rtl="0" algn="l">
+    <a:lvl5pPr marR="0" lvl="4" algn="l" rtl="0">
       <a:lnSpc>
         <a:spcPct val="100000"/>
       </a:lnSpc>
@@ -577,7 +599,7 @@
         <a:srgbClr val="000000"/>
       </a:buClr>
       <a:buFont typeface="Arial"/>
-      <a:defRPr b="0" i="0" sz="1400" u="none" cap="none" strike="noStrike">
+      <a:defRPr sz="1400" b="0" i="0" u="none" strike="noStrike" cap="none">
         <a:solidFill>
           <a:srgbClr val="000000"/>
         </a:solidFill>
@@ -587,7 +609,7 @@
         <a:sym typeface="Arial"/>
       </a:defRPr>
     </a:lvl5pPr>
-    <a:lvl6pPr lvl="5" marR="0" rtl="0" algn="l">
+    <a:lvl6pPr marR="0" lvl="5" algn="l" rtl="0">
       <a:lnSpc>
         <a:spcPct val="100000"/>
       </a:lnSpc>
@@ -601,7 +623,7 @@
         <a:srgbClr val="000000"/>
       </a:buClr>
       <a:buFont typeface="Arial"/>
-      <a:defRPr b="0" i="0" sz="1400" u="none" cap="none" strike="noStrike">
+      <a:defRPr sz="1400" b="0" i="0" u="none" strike="noStrike" cap="none">
         <a:solidFill>
           <a:srgbClr val="000000"/>
         </a:solidFill>
@@ -611,7 +633,7 @@
         <a:sym typeface="Arial"/>
       </a:defRPr>
     </a:lvl6pPr>
-    <a:lvl7pPr lvl="6" marR="0" rtl="0" algn="l">
+    <a:lvl7pPr marR="0" lvl="6" algn="l" rtl="0">
       <a:lnSpc>
         <a:spcPct val="100000"/>
       </a:lnSpc>
@@ -625,7 +647,7 @@
         <a:srgbClr val="000000"/>
       </a:buClr>
       <a:buFont typeface="Arial"/>
-      <a:defRPr b="0" i="0" sz="1400" u="none" cap="none" strike="noStrike">
+      <a:defRPr sz="1400" b="0" i="0" u="none" strike="noStrike" cap="none">
         <a:solidFill>
           <a:srgbClr val="000000"/>
         </a:solidFill>
@@ -635,7 +657,7 @@
         <a:sym typeface="Arial"/>
       </a:defRPr>
     </a:lvl7pPr>
-    <a:lvl8pPr lvl="7" marR="0" rtl="0" algn="l">
+    <a:lvl8pPr marR="0" lvl="7" algn="l" rtl="0">
       <a:lnSpc>
         <a:spcPct val="100000"/>
       </a:lnSpc>
@@ -649,7 +671,7 @@
         <a:srgbClr val="000000"/>
       </a:buClr>
       <a:buFont typeface="Arial"/>
-      <a:defRPr b="0" i="0" sz="1400" u="none" cap="none" strike="noStrike">
+      <a:defRPr sz="1400" b="0" i="0" u="none" strike="noStrike" cap="none">
         <a:solidFill>
           <a:srgbClr val="000000"/>
         </a:solidFill>
@@ -659,7 +681,7 @@
         <a:sym typeface="Arial"/>
       </a:defRPr>
     </a:lvl8pPr>
-    <a:lvl9pPr lvl="8" marR="0" rtl="0" algn="l">
+    <a:lvl9pPr marR="0" lvl="8" algn="l" rtl="0">
       <a:lnSpc>
         <a:spcPct val="100000"/>
       </a:lnSpc>
@@ -673,7 +695,7 @@
         <a:srgbClr val="000000"/>
       </a:buClr>
       <a:buFont typeface="Arial"/>
-      <a:defRPr b="0" i="0" sz="1400" u="none" cap="none" strike="noStrike">
+      <a:defRPr sz="1400" b="0" i="0" u="none" strike="noStrike" cap="none">
         <a:solidFill>
           <a:srgbClr val="000000"/>
         </a:solidFill>
@@ -688,11 +710,11 @@
 </file>
 
 <file path=ppt/notesSlides/notesSlide1.xml><?xml version="1.0" encoding="utf-8"?>
-<p:notes xmlns:a="http://schemas.openxmlformats.org/drawingml/2006/main" xmlns:r="http://schemas.openxmlformats.org/officeDocument/2006/relationships" xmlns:mc="http://schemas.openxmlformats.org/markup-compatibility/2006" xmlns:mv="urn:schemas-microsoft-com:mac:vml" xmlns:p="http://schemas.openxmlformats.org/presentationml/2006/main" xmlns:c="http://schemas.openxmlformats.org/drawingml/2006/chart" xmlns:dgm="http://schemas.openxmlformats.org/drawingml/2006/diagram" xmlns:o="urn:schemas-microsoft-com:office:office" xmlns:v="urn:schemas-microsoft-com:vml" xmlns:pvml="urn:schemas-microsoft-com:office:powerpoint" xmlns:com="http://schemas.openxmlformats.org/drawingml/2006/compatibility" xmlns:p14="http://schemas.microsoft.com/office/powerpoint/2010/main" xmlns:p15="http://schemas.microsoft.com/office/powerpoint/2012/main" showMasterPhAnim="0" showMasterSp="0">
+<p:notes xmlns:a="http://schemas.openxmlformats.org/drawingml/2006/main" xmlns:r="http://schemas.openxmlformats.org/officeDocument/2006/relationships" xmlns:p="http://schemas.openxmlformats.org/presentationml/2006/main" showMasterSp="0" showMasterPhAnim="0">
   <p:cSld>
     <p:spTree>
       <p:nvGrpSpPr>
-        <p:cNvPr id="50" name="Shape 50"/>
+        <p:cNvPr id="1" name="Shape 50"/>
         <p:cNvGrpSpPr/>
         <p:nvPr/>
       </p:nvGrpSpPr>
@@ -707,20 +729,26 @@
       <p:sp>
         <p:nvSpPr>
           <p:cNvPr id="51" name="Google Shape;51;p:notes"/>
-          <p:cNvSpPr/>
+          <p:cNvSpPr>
+            <a:spLocks noGrp="1" noRot="1" noChangeAspect="1"/>
+          </p:cNvSpPr>
           <p:nvPr>
-            <p:ph idx="2" type="sldImg"/>
+            <p:ph type="sldImg" idx="2"/>
           </p:nvPr>
         </p:nvSpPr>
         <p:spPr>
           <a:xfrm>
-            <a:off x="381300" y="685800"/>
-            <a:ext cx="6096075" cy="3429000"/>
+            <a:off x="381000" y="685800"/>
+            <a:ext cx="6096000" cy="3429000"/>
           </a:xfrm>
           <a:custGeom>
-            <a:rect b="b" l="l" r="r" t="t"/>
+            <a:avLst/>
+            <a:gdLst/>
+            <a:ahLst/>
+            <a:cxnLst/>
+            <a:rect l="l" t="t" r="r" b="b"/>
             <a:pathLst>
-              <a:path extrusionOk="0" h="120000" w="120000">
+              <a:path w="120000" h="120000" extrusionOk="0">
                 <a:moveTo>
                   <a:pt x="0" y="0"/>
                 </a:moveTo>
@@ -742,9 +770,11 @@
       <p:sp>
         <p:nvSpPr>
           <p:cNvPr id="52" name="Google Shape;52;p:notes"/>
-          <p:cNvSpPr txBox="1"/>
+          <p:cNvSpPr txBox="1">
+            <a:spLocks noGrp="1"/>
+          </p:cNvSpPr>
           <p:nvPr>
-            <p:ph idx="1" type="body"/>
+            <p:ph type="body" idx="1"/>
           </p:nvPr>
         </p:nvSpPr>
         <p:spPr>
@@ -757,12 +787,12 @@
           </a:prstGeom>
         </p:spPr>
         <p:txBody>
-          <a:bodyPr anchorCtr="0" anchor="t" bIns="91425" lIns="91425" spcFirstLastPara="1" rIns="91425" wrap="square" tIns="91425">
+          <a:bodyPr spcFirstLastPara="1" wrap="square" lIns="91425" tIns="91425" rIns="91425" bIns="91425" anchor="t" anchorCtr="0">
             <a:noAutofit/>
           </a:bodyPr>
           <a:lstStyle/>
           <a:p>
-            <a:pPr indent="0" lvl="0" marL="0" rtl="0" algn="l">
+            <a:pPr marL="0" lvl="0" indent="0" algn="l" rtl="0">
               <a:spcBef>
                 <a:spcPts val="0"/>
               </a:spcBef>
@@ -771,14 +801,16 @@
               </a:spcAft>
               <a:buNone/>
             </a:pPr>
-            <a:r>
-              <a:t/>
-            </a:r>
             <a:endParaRPr/>
           </a:p>
         </p:txBody>
       </p:sp>
     </p:spTree>
+    <p:extLst>
+      <p:ext uri="{BB962C8B-B14F-4D97-AF65-F5344CB8AC3E}">
+        <p14:creationId xmlns:p14="http://schemas.microsoft.com/office/powerpoint/2010/main" val="3578157987"/>
+      </p:ext>
+    </p:extLst>
   </p:cSld>
   <p:clrMapOvr>
     <a:masterClrMapping/>
@@ -787,11 +819,11 @@
 </file>
 
 <file path=ppt/notesSlides/notesSlide2.xml><?xml version="1.0" encoding="utf-8"?>
-<p:notes xmlns:a="http://schemas.openxmlformats.org/drawingml/2006/main" xmlns:r="http://schemas.openxmlformats.org/officeDocument/2006/relationships" xmlns:mc="http://schemas.openxmlformats.org/markup-compatibility/2006" xmlns:mv="urn:schemas-microsoft-com:mac:vml" xmlns:p="http://schemas.openxmlformats.org/presentationml/2006/main" xmlns:c="http://schemas.openxmlformats.org/drawingml/2006/chart" xmlns:dgm="http://schemas.openxmlformats.org/drawingml/2006/diagram" xmlns:o="urn:schemas-microsoft-com:office:office" xmlns:v="urn:schemas-microsoft-com:vml" xmlns:pvml="urn:schemas-microsoft-com:office:powerpoint" xmlns:com="http://schemas.openxmlformats.org/drawingml/2006/compatibility" xmlns:p14="http://schemas.microsoft.com/office/powerpoint/2010/main" xmlns:p15="http://schemas.microsoft.com/office/powerpoint/2012/main" showMasterPhAnim="0" showMasterSp="0">
+<p:notes xmlns:a="http://schemas.openxmlformats.org/drawingml/2006/main" xmlns:r="http://schemas.openxmlformats.org/officeDocument/2006/relationships" xmlns:p="http://schemas.openxmlformats.org/presentationml/2006/main" showMasterSp="0" showMasterPhAnim="0">
   <p:cSld>
     <p:spTree>
       <p:nvGrpSpPr>
-        <p:cNvPr id="57" name="Shape 57"/>
+        <p:cNvPr id="1" name="Shape 57"/>
         <p:cNvGrpSpPr/>
         <p:nvPr/>
       </p:nvGrpSpPr>
@@ -806,20 +838,26 @@
       <p:sp>
         <p:nvSpPr>
           <p:cNvPr id="58" name="Google Shape;58;g646015079c_0_126:notes"/>
-          <p:cNvSpPr/>
+          <p:cNvSpPr>
+            <a:spLocks noGrp="1" noRot="1" noChangeAspect="1"/>
+          </p:cNvSpPr>
           <p:nvPr>
-            <p:ph idx="2" type="sldImg"/>
+            <p:ph type="sldImg" idx="2"/>
           </p:nvPr>
         </p:nvSpPr>
         <p:spPr>
           <a:xfrm>
-            <a:off x="381300" y="685800"/>
+            <a:off x="381000" y="685800"/>
             <a:ext cx="6096000" cy="3429000"/>
           </a:xfrm>
           <a:custGeom>
-            <a:rect b="b" l="l" r="r" t="t"/>
+            <a:avLst/>
+            <a:gdLst/>
+            <a:ahLst/>
+            <a:cxnLst/>
+            <a:rect l="l" t="t" r="r" b="b"/>
             <a:pathLst>
-              <a:path extrusionOk="0" h="120000" w="120000">
+              <a:path w="120000" h="120000" extrusionOk="0">
                 <a:moveTo>
                   <a:pt x="0" y="0"/>
                 </a:moveTo>
@@ -841,9 +879,11 @@
       <p:sp>
         <p:nvSpPr>
           <p:cNvPr id="59" name="Google Shape;59;g646015079c_0_126:notes"/>
-          <p:cNvSpPr txBox="1"/>
+          <p:cNvSpPr txBox="1">
+            <a:spLocks noGrp="1"/>
+          </p:cNvSpPr>
           <p:nvPr>
-            <p:ph idx="1" type="body"/>
+            <p:ph type="body" idx="1"/>
           </p:nvPr>
         </p:nvSpPr>
         <p:spPr>
@@ -856,12 +896,12 @@
           </a:prstGeom>
         </p:spPr>
         <p:txBody>
-          <a:bodyPr anchorCtr="0" anchor="t" bIns="91425" lIns="91425" spcFirstLastPara="1" rIns="91425" wrap="square" tIns="91425">
+          <a:bodyPr spcFirstLastPara="1" wrap="square" lIns="91425" tIns="91425" rIns="91425" bIns="91425" anchor="t" anchorCtr="0">
             <a:noAutofit/>
           </a:bodyPr>
           <a:lstStyle/>
           <a:p>
-            <a:pPr indent="0" lvl="0" marL="0" rtl="0" algn="l">
+            <a:pPr marL="0" lvl="0" indent="0" algn="l" rtl="0">
               <a:spcBef>
                 <a:spcPts val="0"/>
               </a:spcBef>
@@ -870,14 +910,234 @@
               </a:spcAft>
               <a:buNone/>
             </a:pPr>
-            <a:r>
-              <a:t/>
-            </a:r>
             <a:endParaRPr/>
           </a:p>
         </p:txBody>
       </p:sp>
     </p:spTree>
+    <p:extLst>
+      <p:ext uri="{BB962C8B-B14F-4D97-AF65-F5344CB8AC3E}">
+        <p14:creationId xmlns:p14="http://schemas.microsoft.com/office/powerpoint/2010/main" val="220138270"/>
+      </p:ext>
+    </p:extLst>
+  </p:cSld>
+  <p:clrMapOvr>
+    <a:masterClrMapping/>
+  </p:clrMapOvr>
+</p:notes>
+</file>
+
+<file path=ppt/notesSlides/notesSlide3.xml><?xml version="1.0" encoding="utf-8"?>
+<p:notes xmlns:a="http://schemas.openxmlformats.org/drawingml/2006/main" xmlns:r="http://schemas.openxmlformats.org/officeDocument/2006/relationships" xmlns:p="http://schemas.openxmlformats.org/presentationml/2006/main" showMasterSp="0" showMasterPhAnim="0">
+  <p:cSld>
+    <p:spTree>
+      <p:nvGrpSpPr>
+        <p:cNvPr id="1" name="Shape 57"/>
+        <p:cNvGrpSpPr/>
+        <p:nvPr/>
+      </p:nvGrpSpPr>
+      <p:grpSpPr>
+        <a:xfrm>
+          <a:off x="0" y="0"/>
+          <a:ext cx="0" cy="0"/>
+          <a:chOff x="0" y="0"/>
+          <a:chExt cx="0" cy="0"/>
+        </a:xfrm>
+      </p:grpSpPr>
+      <p:sp>
+        <p:nvSpPr>
+          <p:cNvPr id="58" name="Google Shape;58;g646015079c_0_126:notes"/>
+          <p:cNvSpPr>
+            <a:spLocks noGrp="1" noRot="1" noChangeAspect="1"/>
+          </p:cNvSpPr>
+          <p:nvPr>
+            <p:ph type="sldImg" idx="2"/>
+          </p:nvPr>
+        </p:nvSpPr>
+        <p:spPr>
+          <a:xfrm>
+            <a:off x="381000" y="685800"/>
+            <a:ext cx="6096000" cy="3429000"/>
+          </a:xfrm>
+          <a:custGeom>
+            <a:avLst/>
+            <a:gdLst/>
+            <a:ahLst/>
+            <a:cxnLst/>
+            <a:rect l="l" t="t" r="r" b="b"/>
+            <a:pathLst>
+              <a:path w="120000" h="120000" extrusionOk="0">
+                <a:moveTo>
+                  <a:pt x="0" y="0"/>
+                </a:moveTo>
+                <a:lnTo>
+                  <a:pt x="120000" y="0"/>
+                </a:lnTo>
+                <a:lnTo>
+                  <a:pt x="120000" y="120000"/>
+                </a:lnTo>
+                <a:lnTo>
+                  <a:pt x="0" y="120000"/>
+                </a:lnTo>
+                <a:close/>
+              </a:path>
+            </a:pathLst>
+          </a:custGeom>
+        </p:spPr>
+      </p:sp>
+      <p:sp>
+        <p:nvSpPr>
+          <p:cNvPr id="59" name="Google Shape;59;g646015079c_0_126:notes"/>
+          <p:cNvSpPr txBox="1">
+            <a:spLocks noGrp="1"/>
+          </p:cNvSpPr>
+          <p:nvPr>
+            <p:ph type="body" idx="1"/>
+          </p:nvPr>
+        </p:nvSpPr>
+        <p:spPr>
+          <a:xfrm>
+            <a:off x="685800" y="4343400"/>
+            <a:ext cx="5486400" cy="4114800"/>
+          </a:xfrm>
+          <a:prstGeom prst="rect">
+            <a:avLst/>
+          </a:prstGeom>
+        </p:spPr>
+        <p:txBody>
+          <a:bodyPr spcFirstLastPara="1" wrap="square" lIns="91425" tIns="91425" rIns="91425" bIns="91425" anchor="t" anchorCtr="0">
+            <a:noAutofit/>
+          </a:bodyPr>
+          <a:lstStyle/>
+          <a:p>
+            <a:pPr marL="0" lvl="0" indent="0" algn="l" rtl="0">
+              <a:spcBef>
+                <a:spcPts val="0"/>
+              </a:spcBef>
+              <a:spcAft>
+                <a:spcPts val="0"/>
+              </a:spcAft>
+              <a:buNone/>
+            </a:pPr>
+            <a:endParaRPr dirty="0"/>
+          </a:p>
+        </p:txBody>
+      </p:sp>
+    </p:spTree>
+    <p:extLst>
+      <p:ext uri="{BB962C8B-B14F-4D97-AF65-F5344CB8AC3E}">
+        <p14:creationId xmlns:p14="http://schemas.microsoft.com/office/powerpoint/2010/main" val="1816731393"/>
+      </p:ext>
+    </p:extLst>
+  </p:cSld>
+  <p:clrMapOvr>
+    <a:masterClrMapping/>
+  </p:clrMapOvr>
+</p:notes>
+</file>
+
+<file path=ppt/notesSlides/notesSlide4.xml><?xml version="1.0" encoding="utf-8"?>
+<p:notes xmlns:a="http://schemas.openxmlformats.org/drawingml/2006/main" xmlns:r="http://schemas.openxmlformats.org/officeDocument/2006/relationships" xmlns:p="http://schemas.openxmlformats.org/presentationml/2006/main" showMasterSp="0" showMasterPhAnim="0">
+  <p:cSld>
+    <p:spTree>
+      <p:nvGrpSpPr>
+        <p:cNvPr id="1" name="Shape 57"/>
+        <p:cNvGrpSpPr/>
+        <p:nvPr/>
+      </p:nvGrpSpPr>
+      <p:grpSpPr>
+        <a:xfrm>
+          <a:off x="0" y="0"/>
+          <a:ext cx="0" cy="0"/>
+          <a:chOff x="0" y="0"/>
+          <a:chExt cx="0" cy="0"/>
+        </a:xfrm>
+      </p:grpSpPr>
+      <p:sp>
+        <p:nvSpPr>
+          <p:cNvPr id="58" name="Google Shape;58;g646015079c_0_126:notes"/>
+          <p:cNvSpPr>
+            <a:spLocks noGrp="1" noRot="1" noChangeAspect="1"/>
+          </p:cNvSpPr>
+          <p:nvPr>
+            <p:ph type="sldImg" idx="2"/>
+          </p:nvPr>
+        </p:nvSpPr>
+        <p:spPr>
+          <a:xfrm>
+            <a:off x="381000" y="685800"/>
+            <a:ext cx="6096000" cy="3429000"/>
+          </a:xfrm>
+          <a:custGeom>
+            <a:avLst/>
+            <a:gdLst/>
+            <a:ahLst/>
+            <a:cxnLst/>
+            <a:rect l="l" t="t" r="r" b="b"/>
+            <a:pathLst>
+              <a:path w="120000" h="120000" extrusionOk="0">
+                <a:moveTo>
+                  <a:pt x="0" y="0"/>
+                </a:moveTo>
+                <a:lnTo>
+                  <a:pt x="120000" y="0"/>
+                </a:lnTo>
+                <a:lnTo>
+                  <a:pt x="120000" y="120000"/>
+                </a:lnTo>
+                <a:lnTo>
+                  <a:pt x="0" y="120000"/>
+                </a:lnTo>
+                <a:close/>
+              </a:path>
+            </a:pathLst>
+          </a:custGeom>
+        </p:spPr>
+      </p:sp>
+      <p:sp>
+        <p:nvSpPr>
+          <p:cNvPr id="59" name="Google Shape;59;g646015079c_0_126:notes"/>
+          <p:cNvSpPr txBox="1">
+            <a:spLocks noGrp="1"/>
+          </p:cNvSpPr>
+          <p:nvPr>
+            <p:ph type="body" idx="1"/>
+          </p:nvPr>
+        </p:nvSpPr>
+        <p:spPr>
+          <a:xfrm>
+            <a:off x="685800" y="4343400"/>
+            <a:ext cx="5486400" cy="4114800"/>
+          </a:xfrm>
+          <a:prstGeom prst="rect">
+            <a:avLst/>
+          </a:prstGeom>
+        </p:spPr>
+        <p:txBody>
+          <a:bodyPr spcFirstLastPara="1" wrap="square" lIns="91425" tIns="91425" rIns="91425" bIns="91425" anchor="t" anchorCtr="0">
+            <a:noAutofit/>
+          </a:bodyPr>
+          <a:lstStyle/>
+          <a:p>
+            <a:pPr marL="0" lvl="0" indent="0" algn="l" rtl="0">
+              <a:spcBef>
+                <a:spcPts val="0"/>
+              </a:spcBef>
+              <a:spcAft>
+                <a:spcPts val="0"/>
+              </a:spcAft>
+              <a:buNone/>
+            </a:pPr>
+            <a:endParaRPr dirty="0"/>
+          </a:p>
+        </p:txBody>
+      </p:sp>
+    </p:spTree>
+    <p:extLst>
+      <p:ext uri="{BB962C8B-B14F-4D97-AF65-F5344CB8AC3E}">
+        <p14:creationId xmlns:p14="http://schemas.microsoft.com/office/powerpoint/2010/main" val="3177140998"/>
+      </p:ext>
+    </p:extLst>
   </p:cSld>
   <p:clrMapOvr>
     <a:masterClrMapping/>
@@ -886,11 +1146,11 @@
 </file>
 
 <file path=ppt/slideLayouts/slideLayout1.xml><?xml version="1.0" encoding="utf-8"?>
-<p:sldLayout xmlns:a="http://schemas.openxmlformats.org/drawingml/2006/main" xmlns:r="http://schemas.openxmlformats.org/officeDocument/2006/relationships" xmlns:mc="http://schemas.openxmlformats.org/markup-compatibility/2006" xmlns:mv="urn:schemas-microsoft-com:mac:vml" xmlns:p="http://schemas.openxmlformats.org/presentationml/2006/main" xmlns:c="http://schemas.openxmlformats.org/drawingml/2006/chart" xmlns:dgm="http://schemas.openxmlformats.org/drawingml/2006/diagram" xmlns:o="urn:schemas-microsoft-com:office:office" xmlns:v="urn:schemas-microsoft-com:vml" xmlns:pvml="urn:schemas-microsoft-com:office:powerpoint" xmlns:com="http://schemas.openxmlformats.org/drawingml/2006/compatibility" xmlns:p14="http://schemas.microsoft.com/office/powerpoint/2010/main" xmlns:p15="http://schemas.microsoft.com/office/powerpoint/2012/main" matchingName="Title slide" type="title">
+<p:sldLayout xmlns:a="http://schemas.openxmlformats.org/drawingml/2006/main" xmlns:r="http://schemas.openxmlformats.org/officeDocument/2006/relationships" xmlns:p="http://schemas.openxmlformats.org/presentationml/2006/main" matchingName="Title slide" type="title">
   <p:cSld name="TITLE">
     <p:spTree>
       <p:nvGrpSpPr>
-        <p:cNvPr id="9" name="Shape 9"/>
+        <p:cNvPr id="1" name="Shape 9"/>
         <p:cNvGrpSpPr/>
         <p:nvPr/>
       </p:nvGrpSpPr>
@@ -905,7 +1165,9 @@
       <p:sp>
         <p:nvSpPr>
           <p:cNvPr id="10" name="Google Shape;10;p2"/>
-          <p:cNvSpPr txBox="1"/>
+          <p:cNvSpPr txBox="1">
+            <a:spLocks noGrp="1"/>
+          </p:cNvSpPr>
           <p:nvPr>
             <p:ph type="ctrTitle"/>
           </p:nvPr>
@@ -920,7 +1182,7 @@
           </a:prstGeom>
         </p:spPr>
         <p:txBody>
-          <a:bodyPr anchorCtr="0" anchor="b" bIns="91425" lIns="91425" spcFirstLastPara="1" rIns="91425" wrap="square" tIns="91425">
+          <a:bodyPr spcFirstLastPara="1" wrap="square" lIns="91425" tIns="91425" rIns="91425" bIns="91425" anchor="b" anchorCtr="0">
             <a:noAutofit/>
           </a:bodyPr>
           <a:lstStyle>
@@ -1024,15 +1286,19 @@
               <a:defRPr sz="5200"/>
             </a:lvl9pPr>
           </a:lstStyle>
-          <a:p/>
+          <a:p>
+            <a:endParaRPr/>
+          </a:p>
         </p:txBody>
       </p:sp>
       <p:sp>
         <p:nvSpPr>
           <p:cNvPr id="11" name="Google Shape;11;p2"/>
-          <p:cNvSpPr txBox="1"/>
+          <p:cNvSpPr txBox="1">
+            <a:spLocks noGrp="1"/>
+          </p:cNvSpPr>
           <p:nvPr>
-            <p:ph idx="1" type="subTitle"/>
+            <p:ph type="subTitle" idx="1"/>
           </p:nvPr>
         </p:nvSpPr>
         <p:spPr>
@@ -1045,7 +1311,7 @@
           </a:prstGeom>
         </p:spPr>
         <p:txBody>
-          <a:bodyPr anchorCtr="0" anchor="t" bIns="91425" lIns="91425" spcFirstLastPara="1" rIns="91425" wrap="square" tIns="91425">
+          <a:bodyPr spcFirstLastPara="1" wrap="square" lIns="91425" tIns="91425" rIns="91425" bIns="91425" anchor="t" anchorCtr="0">
             <a:noAutofit/>
           </a:bodyPr>
           <a:lstStyle>
@@ -1176,15 +1442,19 @@
               <a:defRPr sz="2800"/>
             </a:lvl9pPr>
           </a:lstStyle>
-          <a:p/>
+          <a:p>
+            <a:endParaRPr/>
+          </a:p>
         </p:txBody>
       </p:sp>
       <p:sp>
         <p:nvSpPr>
           <p:cNvPr id="12" name="Google Shape;12;p2"/>
-          <p:cNvSpPr txBox="1"/>
+          <p:cNvSpPr txBox="1">
+            <a:spLocks noGrp="1"/>
+          </p:cNvSpPr>
           <p:nvPr>
-            <p:ph idx="12" type="sldNum"/>
+            <p:ph type="sldNum" idx="12"/>
           </p:nvPr>
         </p:nvSpPr>
         <p:spPr>
@@ -1197,7 +1467,7 @@
           </a:prstGeom>
         </p:spPr>
         <p:txBody>
-          <a:bodyPr anchorCtr="0" anchor="ctr" bIns="91425" lIns="91425" spcFirstLastPara="1" rIns="91425" wrap="square" tIns="91425">
+          <a:bodyPr spcFirstLastPara="1" wrap="square" lIns="91425" tIns="91425" rIns="91425" bIns="91425" anchor="ctr" anchorCtr="0">
             <a:noAutofit/>
           </a:bodyPr>
           <a:lstStyle>
@@ -1239,7 +1509,7 @@
             </a:lvl9pPr>
           </a:lstStyle>
           <a:p>
-            <a:pPr indent="0" lvl="0" marL="0" rtl="0" algn="r">
+            <a:pPr marL="0" lvl="0" indent="0" algn="r" rtl="0">
               <a:spcBef>
                 <a:spcPts val="0"/>
               </a:spcBef>
@@ -1265,11 +1535,11 @@
 </file>
 
 <file path=ppt/slideLayouts/slideLayout10.xml><?xml version="1.0" encoding="utf-8"?>
-<p:sldLayout xmlns:a="http://schemas.openxmlformats.org/drawingml/2006/main" xmlns:r="http://schemas.openxmlformats.org/officeDocument/2006/relationships" xmlns:mc="http://schemas.openxmlformats.org/markup-compatibility/2006" xmlns:mv="urn:schemas-microsoft-com:mac:vml" xmlns:p="http://schemas.openxmlformats.org/presentationml/2006/main" xmlns:c="http://schemas.openxmlformats.org/drawingml/2006/chart" xmlns:dgm="http://schemas.openxmlformats.org/drawingml/2006/diagram" xmlns:o="urn:schemas-microsoft-com:office:office" xmlns:v="urn:schemas-microsoft-com:vml" xmlns:pvml="urn:schemas-microsoft-com:office:powerpoint" xmlns:com="http://schemas.openxmlformats.org/drawingml/2006/compatibility" xmlns:p14="http://schemas.microsoft.com/office/powerpoint/2010/main" xmlns:p15="http://schemas.microsoft.com/office/powerpoint/2012/main" matchingName="Big number">
+<p:sldLayout xmlns:a="http://schemas.openxmlformats.org/drawingml/2006/main" xmlns:r="http://schemas.openxmlformats.org/officeDocument/2006/relationships" xmlns:p="http://schemas.openxmlformats.org/presentationml/2006/main" matchingName="Big number">
   <p:cSld name="BIG_NUMBER">
     <p:spTree>
       <p:nvGrpSpPr>
-        <p:cNvPr id="44" name="Shape 44"/>
+        <p:cNvPr id="1" name="Shape 44"/>
         <p:cNvGrpSpPr/>
         <p:nvPr/>
       </p:nvGrpSpPr>
@@ -1284,9 +1554,11 @@
       <p:sp>
         <p:nvSpPr>
           <p:cNvPr id="45" name="Google Shape;45;p11"/>
-          <p:cNvSpPr txBox="1"/>
+          <p:cNvSpPr txBox="1">
+            <a:spLocks noGrp="1"/>
+          </p:cNvSpPr>
           <p:nvPr>
-            <p:ph hasCustomPrompt="1" type="title"/>
+            <p:ph type="title" hasCustomPrompt="1"/>
           </p:nvPr>
         </p:nvSpPr>
         <p:spPr>
@@ -1299,7 +1571,7 @@
           </a:prstGeom>
         </p:spPr>
         <p:txBody>
-          <a:bodyPr anchorCtr="0" anchor="b" bIns="91425" lIns="91425" spcFirstLastPara="1" rIns="91425" wrap="square" tIns="91425">
+          <a:bodyPr spcFirstLastPara="1" wrap="square" lIns="91425" tIns="91425" rIns="91425" bIns="91425" anchor="b" anchorCtr="0">
             <a:noAutofit/>
           </a:bodyPr>
           <a:lstStyle>
@@ -1413,9 +1685,11 @@
       <p:sp>
         <p:nvSpPr>
           <p:cNvPr id="46" name="Google Shape;46;p11"/>
-          <p:cNvSpPr txBox="1"/>
+          <p:cNvSpPr txBox="1">
+            <a:spLocks noGrp="1"/>
+          </p:cNvSpPr>
           <p:nvPr>
-            <p:ph idx="1" type="body"/>
+            <p:ph type="body" idx="1"/>
           </p:nvPr>
         </p:nvSpPr>
         <p:spPr>
@@ -1428,11 +1702,11 @@
           </a:prstGeom>
         </p:spPr>
         <p:txBody>
-          <a:bodyPr anchorCtr="0" anchor="t" bIns="91425" lIns="91425" spcFirstLastPara="1" rIns="91425" wrap="square" tIns="91425">
+          <a:bodyPr spcFirstLastPara="1" wrap="square" lIns="91425" tIns="91425" rIns="91425" bIns="91425" anchor="t" anchorCtr="0">
             <a:noAutofit/>
           </a:bodyPr>
           <a:lstStyle>
-            <a:lvl1pPr indent="-342900" lvl="0" marL="457200" algn="ctr">
+            <a:lvl1pPr marL="457200" lvl="0" indent="-342900" algn="ctr">
               <a:spcBef>
                 <a:spcPts val="0"/>
               </a:spcBef>
@@ -1443,7 +1717,7 @@
               <a:buChar char="●"/>
               <a:defRPr/>
             </a:lvl1pPr>
-            <a:lvl2pPr indent="-317500" lvl="1" marL="914400" algn="ctr">
+            <a:lvl2pPr marL="914400" lvl="1" indent="-317500" algn="ctr">
               <a:spcBef>
                 <a:spcPts val="1600"/>
               </a:spcBef>
@@ -1454,7 +1728,7 @@
               <a:buChar char="○"/>
               <a:defRPr/>
             </a:lvl2pPr>
-            <a:lvl3pPr indent="-317500" lvl="2" marL="1371600" algn="ctr">
+            <a:lvl3pPr marL="1371600" lvl="2" indent="-317500" algn="ctr">
               <a:spcBef>
                 <a:spcPts val="1600"/>
               </a:spcBef>
@@ -1465,7 +1739,7 @@
               <a:buChar char="■"/>
               <a:defRPr/>
             </a:lvl3pPr>
-            <a:lvl4pPr indent="-317500" lvl="3" marL="1828800" algn="ctr">
+            <a:lvl4pPr marL="1828800" lvl="3" indent="-317500" algn="ctr">
               <a:spcBef>
                 <a:spcPts val="1600"/>
               </a:spcBef>
@@ -1476,7 +1750,7 @@
               <a:buChar char="●"/>
               <a:defRPr/>
             </a:lvl4pPr>
-            <a:lvl5pPr indent="-317500" lvl="4" marL="2286000" algn="ctr">
+            <a:lvl5pPr marL="2286000" lvl="4" indent="-317500" algn="ctr">
               <a:spcBef>
                 <a:spcPts val="1600"/>
               </a:spcBef>
@@ -1487,7 +1761,7 @@
               <a:buChar char="○"/>
               <a:defRPr/>
             </a:lvl5pPr>
-            <a:lvl6pPr indent="-317500" lvl="5" marL="2743200" algn="ctr">
+            <a:lvl6pPr marL="2743200" lvl="5" indent="-317500" algn="ctr">
               <a:spcBef>
                 <a:spcPts val="1600"/>
               </a:spcBef>
@@ -1498,7 +1772,7 @@
               <a:buChar char="■"/>
               <a:defRPr/>
             </a:lvl6pPr>
-            <a:lvl7pPr indent="-317500" lvl="6" marL="3200400" algn="ctr">
+            <a:lvl7pPr marL="3200400" lvl="6" indent="-317500" algn="ctr">
               <a:spcBef>
                 <a:spcPts val="1600"/>
               </a:spcBef>
@@ -1509,7 +1783,7 @@
               <a:buChar char="●"/>
               <a:defRPr/>
             </a:lvl7pPr>
-            <a:lvl8pPr indent="-317500" lvl="7" marL="3657600" algn="ctr">
+            <a:lvl8pPr marL="3657600" lvl="7" indent="-317500" algn="ctr">
               <a:spcBef>
                 <a:spcPts val="1600"/>
               </a:spcBef>
@@ -1520,7 +1794,7 @@
               <a:buChar char="○"/>
               <a:defRPr/>
             </a:lvl8pPr>
-            <a:lvl9pPr indent="-317500" lvl="8" marL="4114800" algn="ctr">
+            <a:lvl9pPr marL="4114800" lvl="8" indent="-317500" algn="ctr">
               <a:spcBef>
                 <a:spcPts val="1600"/>
               </a:spcBef>
@@ -1532,15 +1806,19 @@
               <a:defRPr/>
             </a:lvl9pPr>
           </a:lstStyle>
-          <a:p/>
+          <a:p>
+            <a:endParaRPr/>
+          </a:p>
         </p:txBody>
       </p:sp>
       <p:sp>
         <p:nvSpPr>
           <p:cNvPr id="47" name="Google Shape;47;p11"/>
-          <p:cNvSpPr txBox="1"/>
+          <p:cNvSpPr txBox="1">
+            <a:spLocks noGrp="1"/>
+          </p:cNvSpPr>
           <p:nvPr>
-            <p:ph idx="12" type="sldNum"/>
+            <p:ph type="sldNum" idx="12"/>
           </p:nvPr>
         </p:nvSpPr>
         <p:spPr>
@@ -1553,7 +1831,7 @@
           </a:prstGeom>
         </p:spPr>
         <p:txBody>
-          <a:bodyPr anchorCtr="0" anchor="ctr" bIns="91425" lIns="91425" spcFirstLastPara="1" rIns="91425" wrap="square" tIns="91425">
+          <a:bodyPr spcFirstLastPara="1" wrap="square" lIns="91425" tIns="91425" rIns="91425" bIns="91425" anchor="ctr" anchorCtr="0">
             <a:noAutofit/>
           </a:bodyPr>
           <a:lstStyle>
@@ -1595,7 +1873,7 @@
             </a:lvl9pPr>
           </a:lstStyle>
           <a:p>
-            <a:pPr indent="0" lvl="0" marL="0" rtl="0" algn="r">
+            <a:pPr marL="0" lvl="0" indent="0" algn="r" rtl="0">
               <a:spcBef>
                 <a:spcPts val="0"/>
               </a:spcBef>
@@ -1621,11 +1899,11 @@
 </file>
 
 <file path=ppt/slideLayouts/slideLayout11.xml><?xml version="1.0" encoding="utf-8"?>
-<p:sldLayout xmlns:a="http://schemas.openxmlformats.org/drawingml/2006/main" xmlns:r="http://schemas.openxmlformats.org/officeDocument/2006/relationships" xmlns:mc="http://schemas.openxmlformats.org/markup-compatibility/2006" xmlns:mv="urn:schemas-microsoft-com:mac:vml" xmlns:p="http://schemas.openxmlformats.org/presentationml/2006/main" xmlns:c="http://schemas.openxmlformats.org/drawingml/2006/chart" xmlns:dgm="http://schemas.openxmlformats.org/drawingml/2006/diagram" xmlns:o="urn:schemas-microsoft-com:office:office" xmlns:v="urn:schemas-microsoft-com:vml" xmlns:pvml="urn:schemas-microsoft-com:office:powerpoint" xmlns:com="http://schemas.openxmlformats.org/drawingml/2006/compatibility" xmlns:p14="http://schemas.microsoft.com/office/powerpoint/2010/main" xmlns:p15="http://schemas.microsoft.com/office/powerpoint/2012/main" matchingName="Blank" type="blank">
+<p:sldLayout xmlns:a="http://schemas.openxmlformats.org/drawingml/2006/main" xmlns:r="http://schemas.openxmlformats.org/officeDocument/2006/relationships" xmlns:p="http://schemas.openxmlformats.org/presentationml/2006/main" matchingName="Blank" type="blank">
   <p:cSld name="BLANK">
     <p:spTree>
       <p:nvGrpSpPr>
-        <p:cNvPr id="48" name="Shape 48"/>
+        <p:cNvPr id="1" name="Shape 48"/>
         <p:cNvGrpSpPr/>
         <p:nvPr/>
       </p:nvGrpSpPr>
@@ -1640,9 +1918,11 @@
       <p:sp>
         <p:nvSpPr>
           <p:cNvPr id="49" name="Google Shape;49;p12"/>
-          <p:cNvSpPr txBox="1"/>
+          <p:cNvSpPr txBox="1">
+            <a:spLocks noGrp="1"/>
+          </p:cNvSpPr>
           <p:nvPr>
-            <p:ph idx="12" type="sldNum"/>
+            <p:ph type="sldNum" idx="12"/>
           </p:nvPr>
         </p:nvSpPr>
         <p:spPr>
@@ -1655,7 +1935,7 @@
           </a:prstGeom>
         </p:spPr>
         <p:txBody>
-          <a:bodyPr anchorCtr="0" anchor="ctr" bIns="91425" lIns="91425" spcFirstLastPara="1" rIns="91425" wrap="square" tIns="91425">
+          <a:bodyPr spcFirstLastPara="1" wrap="square" lIns="91425" tIns="91425" rIns="91425" bIns="91425" anchor="ctr" anchorCtr="0">
             <a:noAutofit/>
           </a:bodyPr>
           <a:lstStyle>
@@ -1697,7 +1977,7 @@
             </a:lvl9pPr>
           </a:lstStyle>
           <a:p>
-            <a:pPr indent="0" lvl="0" marL="0" rtl="0" algn="r">
+            <a:pPr marL="0" lvl="0" indent="0" algn="r" rtl="0">
               <a:spcBef>
                 <a:spcPts val="0"/>
               </a:spcBef>
@@ -1723,11 +2003,11 @@
 </file>
 
 <file path=ppt/slideLayouts/slideLayout2.xml><?xml version="1.0" encoding="utf-8"?>
-<p:sldLayout xmlns:a="http://schemas.openxmlformats.org/drawingml/2006/main" xmlns:r="http://schemas.openxmlformats.org/officeDocument/2006/relationships" xmlns:mc="http://schemas.openxmlformats.org/markup-compatibility/2006" xmlns:mv="urn:schemas-microsoft-com:mac:vml" xmlns:p="http://schemas.openxmlformats.org/presentationml/2006/main" xmlns:c="http://schemas.openxmlformats.org/drawingml/2006/chart" xmlns:dgm="http://schemas.openxmlformats.org/drawingml/2006/diagram" xmlns:o="urn:schemas-microsoft-com:office:office" xmlns:v="urn:schemas-microsoft-com:vml" xmlns:pvml="urn:schemas-microsoft-com:office:powerpoint" xmlns:com="http://schemas.openxmlformats.org/drawingml/2006/compatibility" xmlns:p14="http://schemas.microsoft.com/office/powerpoint/2010/main" xmlns:p15="http://schemas.microsoft.com/office/powerpoint/2012/main" matchingName="Section header" type="secHead">
+<p:sldLayout xmlns:a="http://schemas.openxmlformats.org/drawingml/2006/main" xmlns:r="http://schemas.openxmlformats.org/officeDocument/2006/relationships" xmlns:p="http://schemas.openxmlformats.org/presentationml/2006/main" matchingName="Section header" type="secHead">
   <p:cSld name="SECTION_HEADER">
     <p:spTree>
       <p:nvGrpSpPr>
-        <p:cNvPr id="13" name="Shape 13"/>
+        <p:cNvPr id="1" name="Shape 13"/>
         <p:cNvGrpSpPr/>
         <p:nvPr/>
       </p:nvGrpSpPr>
@@ -1742,7 +2022,9 @@
       <p:sp>
         <p:nvSpPr>
           <p:cNvPr id="14" name="Google Shape;14;p3"/>
-          <p:cNvSpPr txBox="1"/>
+          <p:cNvSpPr txBox="1">
+            <a:spLocks noGrp="1"/>
+          </p:cNvSpPr>
           <p:nvPr>
             <p:ph type="title"/>
           </p:nvPr>
@@ -1757,7 +2039,7 @@
           </a:prstGeom>
         </p:spPr>
         <p:txBody>
-          <a:bodyPr anchorCtr="0" anchor="ctr" bIns="91425" lIns="91425" spcFirstLastPara="1" rIns="91425" wrap="square" tIns="91425">
+          <a:bodyPr spcFirstLastPara="1" wrap="square" lIns="91425" tIns="91425" rIns="91425" bIns="91425" anchor="ctr" anchorCtr="0">
             <a:noAutofit/>
           </a:bodyPr>
           <a:lstStyle>
@@ -1861,15 +2143,19 @@
               <a:defRPr sz="3600"/>
             </a:lvl9pPr>
           </a:lstStyle>
-          <a:p/>
+          <a:p>
+            <a:endParaRPr/>
+          </a:p>
         </p:txBody>
       </p:sp>
       <p:sp>
         <p:nvSpPr>
           <p:cNvPr id="15" name="Google Shape;15;p3"/>
-          <p:cNvSpPr txBox="1"/>
+          <p:cNvSpPr txBox="1">
+            <a:spLocks noGrp="1"/>
+          </p:cNvSpPr>
           <p:nvPr>
-            <p:ph idx="12" type="sldNum"/>
+            <p:ph type="sldNum" idx="12"/>
           </p:nvPr>
         </p:nvSpPr>
         <p:spPr>
@@ -1882,7 +2168,7 @@
           </a:prstGeom>
         </p:spPr>
         <p:txBody>
-          <a:bodyPr anchorCtr="0" anchor="ctr" bIns="91425" lIns="91425" spcFirstLastPara="1" rIns="91425" wrap="square" tIns="91425">
+          <a:bodyPr spcFirstLastPara="1" wrap="square" lIns="91425" tIns="91425" rIns="91425" bIns="91425" anchor="ctr" anchorCtr="0">
             <a:noAutofit/>
           </a:bodyPr>
           <a:lstStyle>
@@ -1924,7 +2210,7 @@
             </a:lvl9pPr>
           </a:lstStyle>
           <a:p>
-            <a:pPr indent="0" lvl="0" marL="0" rtl="0" algn="r">
+            <a:pPr marL="0" lvl="0" indent="0" algn="r" rtl="0">
               <a:spcBef>
                 <a:spcPts val="0"/>
               </a:spcBef>
@@ -1950,11 +2236,11 @@
 </file>
 
 <file path=ppt/slideLayouts/slideLayout3.xml><?xml version="1.0" encoding="utf-8"?>
-<p:sldLayout xmlns:a="http://schemas.openxmlformats.org/drawingml/2006/main" xmlns:r="http://schemas.openxmlformats.org/officeDocument/2006/relationships" xmlns:mc="http://schemas.openxmlformats.org/markup-compatibility/2006" xmlns:mv="urn:schemas-microsoft-com:mac:vml" xmlns:p="http://schemas.openxmlformats.org/presentationml/2006/main" xmlns:c="http://schemas.openxmlformats.org/drawingml/2006/chart" xmlns:dgm="http://schemas.openxmlformats.org/drawingml/2006/diagram" xmlns:o="urn:schemas-microsoft-com:office:office" xmlns:v="urn:schemas-microsoft-com:vml" xmlns:pvml="urn:schemas-microsoft-com:office:powerpoint" xmlns:com="http://schemas.openxmlformats.org/drawingml/2006/compatibility" xmlns:p14="http://schemas.microsoft.com/office/powerpoint/2010/main" xmlns:p15="http://schemas.microsoft.com/office/powerpoint/2012/main" matchingName="Title and body" type="tx">
+<p:sldLayout xmlns:a="http://schemas.openxmlformats.org/drawingml/2006/main" xmlns:r="http://schemas.openxmlformats.org/officeDocument/2006/relationships" xmlns:p="http://schemas.openxmlformats.org/presentationml/2006/main" matchingName="Title and body" type="tx">
   <p:cSld name="TITLE_AND_BODY">
     <p:spTree>
       <p:nvGrpSpPr>
-        <p:cNvPr id="16" name="Shape 16"/>
+        <p:cNvPr id="1" name="Shape 16"/>
         <p:cNvGrpSpPr/>
         <p:nvPr/>
       </p:nvGrpSpPr>
@@ -1969,7 +2255,9 @@
       <p:sp>
         <p:nvSpPr>
           <p:cNvPr id="17" name="Google Shape;17;p4"/>
-          <p:cNvSpPr txBox="1"/>
+          <p:cNvSpPr txBox="1">
+            <a:spLocks noGrp="1"/>
+          </p:cNvSpPr>
           <p:nvPr>
             <p:ph type="title"/>
           </p:nvPr>
@@ -1984,7 +2272,7 @@
           </a:prstGeom>
         </p:spPr>
         <p:txBody>
-          <a:bodyPr anchorCtr="0" anchor="t" bIns="91425" lIns="91425" spcFirstLastPara="1" rIns="91425" wrap="square" tIns="91425">
+          <a:bodyPr spcFirstLastPara="1" wrap="square" lIns="91425" tIns="91425" rIns="91425" bIns="91425" anchor="t" anchorCtr="0">
             <a:noAutofit/>
           </a:bodyPr>
           <a:lstStyle>
@@ -2088,15 +2376,19 @@
               <a:defRPr/>
             </a:lvl9pPr>
           </a:lstStyle>
-          <a:p/>
+          <a:p>
+            <a:endParaRPr/>
+          </a:p>
         </p:txBody>
       </p:sp>
       <p:sp>
         <p:nvSpPr>
           <p:cNvPr id="18" name="Google Shape;18;p4"/>
-          <p:cNvSpPr txBox="1"/>
+          <p:cNvSpPr txBox="1">
+            <a:spLocks noGrp="1"/>
+          </p:cNvSpPr>
           <p:nvPr>
-            <p:ph idx="1" type="body"/>
+            <p:ph type="body" idx="1"/>
           </p:nvPr>
         </p:nvSpPr>
         <p:spPr>
@@ -2109,11 +2401,11 @@
           </a:prstGeom>
         </p:spPr>
         <p:txBody>
-          <a:bodyPr anchorCtr="0" anchor="t" bIns="91425" lIns="91425" spcFirstLastPara="1" rIns="91425" wrap="square" tIns="91425">
+          <a:bodyPr spcFirstLastPara="1" wrap="square" lIns="91425" tIns="91425" rIns="91425" bIns="91425" anchor="t" anchorCtr="0">
             <a:noAutofit/>
           </a:bodyPr>
           <a:lstStyle>
-            <a:lvl1pPr indent="-342900" lvl="0" marL="457200">
+            <a:lvl1pPr marL="457200" lvl="0" indent="-342900">
               <a:spcBef>
                 <a:spcPts val="0"/>
               </a:spcBef>
@@ -2124,7 +2416,7 @@
               <a:buChar char="●"/>
               <a:defRPr/>
             </a:lvl1pPr>
-            <a:lvl2pPr indent="-317500" lvl="1" marL="914400">
+            <a:lvl2pPr marL="914400" lvl="1" indent="-317500">
               <a:spcBef>
                 <a:spcPts val="1600"/>
               </a:spcBef>
@@ -2135,7 +2427,7 @@
               <a:buChar char="○"/>
               <a:defRPr/>
             </a:lvl2pPr>
-            <a:lvl3pPr indent="-317500" lvl="2" marL="1371600">
+            <a:lvl3pPr marL="1371600" lvl="2" indent="-317500">
               <a:spcBef>
                 <a:spcPts val="1600"/>
               </a:spcBef>
@@ -2146,7 +2438,7 @@
               <a:buChar char="■"/>
               <a:defRPr/>
             </a:lvl3pPr>
-            <a:lvl4pPr indent="-317500" lvl="3" marL="1828800">
+            <a:lvl4pPr marL="1828800" lvl="3" indent="-317500">
               <a:spcBef>
                 <a:spcPts val="1600"/>
               </a:spcBef>
@@ -2157,7 +2449,7 @@
               <a:buChar char="●"/>
               <a:defRPr/>
             </a:lvl4pPr>
-            <a:lvl5pPr indent="-317500" lvl="4" marL="2286000">
+            <a:lvl5pPr marL="2286000" lvl="4" indent="-317500">
               <a:spcBef>
                 <a:spcPts val="1600"/>
               </a:spcBef>
@@ -2168,7 +2460,7 @@
               <a:buChar char="○"/>
               <a:defRPr/>
             </a:lvl5pPr>
-            <a:lvl6pPr indent="-317500" lvl="5" marL="2743200">
+            <a:lvl6pPr marL="2743200" lvl="5" indent="-317500">
               <a:spcBef>
                 <a:spcPts val="1600"/>
               </a:spcBef>
@@ -2179,7 +2471,7 @@
               <a:buChar char="■"/>
               <a:defRPr/>
             </a:lvl6pPr>
-            <a:lvl7pPr indent="-317500" lvl="6" marL="3200400">
+            <a:lvl7pPr marL="3200400" lvl="6" indent="-317500">
               <a:spcBef>
                 <a:spcPts val="1600"/>
               </a:spcBef>
@@ -2190,7 +2482,7 @@
               <a:buChar char="●"/>
               <a:defRPr/>
             </a:lvl7pPr>
-            <a:lvl8pPr indent="-317500" lvl="7" marL="3657600">
+            <a:lvl8pPr marL="3657600" lvl="7" indent="-317500">
               <a:spcBef>
                 <a:spcPts val="1600"/>
               </a:spcBef>
@@ -2201,7 +2493,7 @@
               <a:buChar char="○"/>
               <a:defRPr/>
             </a:lvl8pPr>
-            <a:lvl9pPr indent="-317500" lvl="8" marL="4114800">
+            <a:lvl9pPr marL="4114800" lvl="8" indent="-317500">
               <a:spcBef>
                 <a:spcPts val="1600"/>
               </a:spcBef>
@@ -2213,15 +2505,19 @@
               <a:defRPr/>
             </a:lvl9pPr>
           </a:lstStyle>
-          <a:p/>
+          <a:p>
+            <a:endParaRPr/>
+          </a:p>
         </p:txBody>
       </p:sp>
       <p:sp>
         <p:nvSpPr>
           <p:cNvPr id="19" name="Google Shape;19;p4"/>
-          <p:cNvSpPr txBox="1"/>
+          <p:cNvSpPr txBox="1">
+            <a:spLocks noGrp="1"/>
+          </p:cNvSpPr>
           <p:nvPr>
-            <p:ph idx="12" type="sldNum"/>
+            <p:ph type="sldNum" idx="12"/>
           </p:nvPr>
         </p:nvSpPr>
         <p:spPr>
@@ -2234,7 +2530,7 @@
           </a:prstGeom>
         </p:spPr>
         <p:txBody>
-          <a:bodyPr anchorCtr="0" anchor="ctr" bIns="91425" lIns="91425" spcFirstLastPara="1" rIns="91425" wrap="square" tIns="91425">
+          <a:bodyPr spcFirstLastPara="1" wrap="square" lIns="91425" tIns="91425" rIns="91425" bIns="91425" anchor="ctr" anchorCtr="0">
             <a:noAutofit/>
           </a:bodyPr>
           <a:lstStyle>
@@ -2276,7 +2572,7 @@
             </a:lvl9pPr>
           </a:lstStyle>
           <a:p>
-            <a:pPr indent="0" lvl="0" marL="0" rtl="0" algn="r">
+            <a:pPr marL="0" lvl="0" indent="0" algn="r" rtl="0">
               <a:spcBef>
                 <a:spcPts val="0"/>
               </a:spcBef>
@@ -2302,11 +2598,11 @@
 </file>
 
 <file path=ppt/slideLayouts/slideLayout4.xml><?xml version="1.0" encoding="utf-8"?>
-<p:sldLayout xmlns:a="http://schemas.openxmlformats.org/drawingml/2006/main" xmlns:r="http://schemas.openxmlformats.org/officeDocument/2006/relationships" xmlns:mc="http://schemas.openxmlformats.org/markup-compatibility/2006" xmlns:mv="urn:schemas-microsoft-com:mac:vml" xmlns:p="http://schemas.openxmlformats.org/presentationml/2006/main" xmlns:c="http://schemas.openxmlformats.org/drawingml/2006/chart" xmlns:dgm="http://schemas.openxmlformats.org/drawingml/2006/diagram" xmlns:o="urn:schemas-microsoft-com:office:office" xmlns:v="urn:schemas-microsoft-com:vml" xmlns:pvml="urn:schemas-microsoft-com:office:powerpoint" xmlns:com="http://schemas.openxmlformats.org/drawingml/2006/compatibility" xmlns:p14="http://schemas.microsoft.com/office/powerpoint/2010/main" xmlns:p15="http://schemas.microsoft.com/office/powerpoint/2012/main" matchingName="Title and two columns" type="twoColTx">
+<p:sldLayout xmlns:a="http://schemas.openxmlformats.org/drawingml/2006/main" xmlns:r="http://schemas.openxmlformats.org/officeDocument/2006/relationships" xmlns:p="http://schemas.openxmlformats.org/presentationml/2006/main" matchingName="Title and two columns" type="twoColTx">
   <p:cSld name="TITLE_AND_TWO_COLUMNS">
     <p:spTree>
       <p:nvGrpSpPr>
-        <p:cNvPr id="20" name="Shape 20"/>
+        <p:cNvPr id="1" name="Shape 20"/>
         <p:cNvGrpSpPr/>
         <p:nvPr/>
       </p:nvGrpSpPr>
@@ -2321,7 +2617,9 @@
       <p:sp>
         <p:nvSpPr>
           <p:cNvPr id="21" name="Google Shape;21;p5"/>
-          <p:cNvSpPr txBox="1"/>
+          <p:cNvSpPr txBox="1">
+            <a:spLocks noGrp="1"/>
+          </p:cNvSpPr>
           <p:nvPr>
             <p:ph type="title"/>
           </p:nvPr>
@@ -2336,7 +2634,7 @@
           </a:prstGeom>
         </p:spPr>
         <p:txBody>
-          <a:bodyPr anchorCtr="0" anchor="t" bIns="91425" lIns="91425" spcFirstLastPara="1" rIns="91425" wrap="square" tIns="91425">
+          <a:bodyPr spcFirstLastPara="1" wrap="square" lIns="91425" tIns="91425" rIns="91425" bIns="91425" anchor="t" anchorCtr="0">
             <a:noAutofit/>
           </a:bodyPr>
           <a:lstStyle>
@@ -2440,15 +2738,19 @@
               <a:defRPr/>
             </a:lvl9pPr>
           </a:lstStyle>
-          <a:p/>
+          <a:p>
+            <a:endParaRPr/>
+          </a:p>
         </p:txBody>
       </p:sp>
       <p:sp>
         <p:nvSpPr>
           <p:cNvPr id="22" name="Google Shape;22;p5"/>
-          <p:cNvSpPr txBox="1"/>
+          <p:cNvSpPr txBox="1">
+            <a:spLocks noGrp="1"/>
+          </p:cNvSpPr>
           <p:nvPr>
-            <p:ph idx="1" type="body"/>
+            <p:ph type="body" idx="1"/>
           </p:nvPr>
         </p:nvSpPr>
         <p:spPr>
@@ -2461,11 +2763,11 @@
           </a:prstGeom>
         </p:spPr>
         <p:txBody>
-          <a:bodyPr anchorCtr="0" anchor="t" bIns="91425" lIns="91425" spcFirstLastPara="1" rIns="91425" wrap="square" tIns="91425">
+          <a:bodyPr spcFirstLastPara="1" wrap="square" lIns="91425" tIns="91425" rIns="91425" bIns="91425" anchor="t" anchorCtr="0">
             <a:noAutofit/>
           </a:bodyPr>
           <a:lstStyle>
-            <a:lvl1pPr indent="-317500" lvl="0" marL="457200">
+            <a:lvl1pPr marL="457200" lvl="0" indent="-317500">
               <a:spcBef>
                 <a:spcPts val="0"/>
               </a:spcBef>
@@ -2476,7 +2778,7 @@
               <a:buChar char="●"/>
               <a:defRPr sz="1400"/>
             </a:lvl1pPr>
-            <a:lvl2pPr indent="-304800" lvl="1" marL="914400">
+            <a:lvl2pPr marL="914400" lvl="1" indent="-304800">
               <a:spcBef>
                 <a:spcPts val="1600"/>
               </a:spcBef>
@@ -2487,7 +2789,7 @@
               <a:buChar char="○"/>
               <a:defRPr sz="1200"/>
             </a:lvl2pPr>
-            <a:lvl3pPr indent="-304800" lvl="2" marL="1371600">
+            <a:lvl3pPr marL="1371600" lvl="2" indent="-304800">
               <a:spcBef>
                 <a:spcPts val="1600"/>
               </a:spcBef>
@@ -2498,7 +2800,7 @@
               <a:buChar char="■"/>
               <a:defRPr sz="1200"/>
             </a:lvl3pPr>
-            <a:lvl4pPr indent="-304800" lvl="3" marL="1828800">
+            <a:lvl4pPr marL="1828800" lvl="3" indent="-304800">
               <a:spcBef>
                 <a:spcPts val="1600"/>
               </a:spcBef>
@@ -2509,7 +2811,7 @@
               <a:buChar char="●"/>
               <a:defRPr sz="1200"/>
             </a:lvl4pPr>
-            <a:lvl5pPr indent="-304800" lvl="4" marL="2286000">
+            <a:lvl5pPr marL="2286000" lvl="4" indent="-304800">
               <a:spcBef>
                 <a:spcPts val="1600"/>
               </a:spcBef>
@@ -2520,7 +2822,7 @@
               <a:buChar char="○"/>
               <a:defRPr sz="1200"/>
             </a:lvl5pPr>
-            <a:lvl6pPr indent="-304800" lvl="5" marL="2743200">
+            <a:lvl6pPr marL="2743200" lvl="5" indent="-304800">
               <a:spcBef>
                 <a:spcPts val="1600"/>
               </a:spcBef>
@@ -2531,7 +2833,7 @@
               <a:buChar char="■"/>
               <a:defRPr sz="1200"/>
             </a:lvl6pPr>
-            <a:lvl7pPr indent="-304800" lvl="6" marL="3200400">
+            <a:lvl7pPr marL="3200400" lvl="6" indent="-304800">
               <a:spcBef>
                 <a:spcPts val="1600"/>
               </a:spcBef>
@@ -2542,7 +2844,7 @@
               <a:buChar char="●"/>
               <a:defRPr sz="1200"/>
             </a:lvl7pPr>
-            <a:lvl8pPr indent="-304800" lvl="7" marL="3657600">
+            <a:lvl8pPr marL="3657600" lvl="7" indent="-304800">
               <a:spcBef>
                 <a:spcPts val="1600"/>
               </a:spcBef>
@@ -2553,7 +2855,7 @@
               <a:buChar char="○"/>
               <a:defRPr sz="1200"/>
             </a:lvl8pPr>
-            <a:lvl9pPr indent="-304800" lvl="8" marL="4114800">
+            <a:lvl9pPr marL="4114800" lvl="8" indent="-304800">
               <a:spcBef>
                 <a:spcPts val="1600"/>
               </a:spcBef>
@@ -2565,15 +2867,19 @@
               <a:defRPr sz="1200"/>
             </a:lvl9pPr>
           </a:lstStyle>
-          <a:p/>
+          <a:p>
+            <a:endParaRPr/>
+          </a:p>
         </p:txBody>
       </p:sp>
       <p:sp>
         <p:nvSpPr>
           <p:cNvPr id="23" name="Google Shape;23;p5"/>
-          <p:cNvSpPr txBox="1"/>
+          <p:cNvSpPr txBox="1">
+            <a:spLocks noGrp="1"/>
+          </p:cNvSpPr>
           <p:nvPr>
-            <p:ph idx="2" type="body"/>
+            <p:ph type="body" idx="2"/>
           </p:nvPr>
         </p:nvSpPr>
         <p:spPr>
@@ -2586,11 +2892,11 @@
           </a:prstGeom>
         </p:spPr>
         <p:txBody>
-          <a:bodyPr anchorCtr="0" anchor="t" bIns="91425" lIns="91425" spcFirstLastPara="1" rIns="91425" wrap="square" tIns="91425">
+          <a:bodyPr spcFirstLastPara="1" wrap="square" lIns="91425" tIns="91425" rIns="91425" bIns="91425" anchor="t" anchorCtr="0">
             <a:noAutofit/>
           </a:bodyPr>
           <a:lstStyle>
-            <a:lvl1pPr indent="-317500" lvl="0" marL="457200">
+            <a:lvl1pPr marL="457200" lvl="0" indent="-317500">
               <a:spcBef>
                 <a:spcPts val="0"/>
               </a:spcBef>
@@ -2601,7 +2907,7 @@
               <a:buChar char="●"/>
               <a:defRPr sz="1400"/>
             </a:lvl1pPr>
-            <a:lvl2pPr indent="-304800" lvl="1" marL="914400">
+            <a:lvl2pPr marL="914400" lvl="1" indent="-304800">
               <a:spcBef>
                 <a:spcPts val="1600"/>
               </a:spcBef>
@@ -2612,7 +2918,7 @@
               <a:buChar char="○"/>
               <a:defRPr sz="1200"/>
             </a:lvl2pPr>
-            <a:lvl3pPr indent="-304800" lvl="2" marL="1371600">
+            <a:lvl3pPr marL="1371600" lvl="2" indent="-304800">
               <a:spcBef>
                 <a:spcPts val="1600"/>
               </a:spcBef>
@@ -2623,7 +2929,7 @@
               <a:buChar char="■"/>
               <a:defRPr sz="1200"/>
             </a:lvl3pPr>
-            <a:lvl4pPr indent="-304800" lvl="3" marL="1828800">
+            <a:lvl4pPr marL="1828800" lvl="3" indent="-304800">
               <a:spcBef>
                 <a:spcPts val="1600"/>
               </a:spcBef>
@@ -2634,7 +2940,7 @@
               <a:buChar char="●"/>
               <a:defRPr sz="1200"/>
             </a:lvl4pPr>
-            <a:lvl5pPr indent="-304800" lvl="4" marL="2286000">
+            <a:lvl5pPr marL="2286000" lvl="4" indent="-304800">
               <a:spcBef>
                 <a:spcPts val="1600"/>
               </a:spcBef>
@@ -2645,7 +2951,7 @@
               <a:buChar char="○"/>
               <a:defRPr sz="1200"/>
             </a:lvl5pPr>
-            <a:lvl6pPr indent="-304800" lvl="5" marL="2743200">
+            <a:lvl6pPr marL="2743200" lvl="5" indent="-304800">
               <a:spcBef>
                 <a:spcPts val="1600"/>
               </a:spcBef>
@@ -2656,7 +2962,7 @@
               <a:buChar char="■"/>
               <a:defRPr sz="1200"/>
             </a:lvl6pPr>
-            <a:lvl7pPr indent="-304800" lvl="6" marL="3200400">
+            <a:lvl7pPr marL="3200400" lvl="6" indent="-304800">
               <a:spcBef>
                 <a:spcPts val="1600"/>
               </a:spcBef>
@@ -2667,7 +2973,7 @@
               <a:buChar char="●"/>
               <a:defRPr sz="1200"/>
             </a:lvl7pPr>
-            <a:lvl8pPr indent="-304800" lvl="7" marL="3657600">
+            <a:lvl8pPr marL="3657600" lvl="7" indent="-304800">
               <a:spcBef>
                 <a:spcPts val="1600"/>
               </a:spcBef>
@@ -2678,7 +2984,7 @@
               <a:buChar char="○"/>
               <a:defRPr sz="1200"/>
             </a:lvl8pPr>
-            <a:lvl9pPr indent="-304800" lvl="8" marL="4114800">
+            <a:lvl9pPr marL="4114800" lvl="8" indent="-304800">
               <a:spcBef>
                 <a:spcPts val="1600"/>
               </a:spcBef>
@@ -2690,15 +2996,19 @@
               <a:defRPr sz="1200"/>
             </a:lvl9pPr>
           </a:lstStyle>
-          <a:p/>
+          <a:p>
+            <a:endParaRPr/>
+          </a:p>
         </p:txBody>
       </p:sp>
       <p:sp>
         <p:nvSpPr>
           <p:cNvPr id="24" name="Google Shape;24;p5"/>
-          <p:cNvSpPr txBox="1"/>
+          <p:cNvSpPr txBox="1">
+            <a:spLocks noGrp="1"/>
+          </p:cNvSpPr>
           <p:nvPr>
-            <p:ph idx="12" type="sldNum"/>
+            <p:ph type="sldNum" idx="12"/>
           </p:nvPr>
         </p:nvSpPr>
         <p:spPr>
@@ -2711,7 +3021,7 @@
           </a:prstGeom>
         </p:spPr>
         <p:txBody>
-          <a:bodyPr anchorCtr="0" anchor="ctr" bIns="91425" lIns="91425" spcFirstLastPara="1" rIns="91425" wrap="square" tIns="91425">
+          <a:bodyPr spcFirstLastPara="1" wrap="square" lIns="91425" tIns="91425" rIns="91425" bIns="91425" anchor="ctr" anchorCtr="0">
             <a:noAutofit/>
           </a:bodyPr>
           <a:lstStyle>
@@ -2753,7 +3063,7 @@
             </a:lvl9pPr>
           </a:lstStyle>
           <a:p>
-            <a:pPr indent="0" lvl="0" marL="0" rtl="0" algn="r">
+            <a:pPr marL="0" lvl="0" indent="0" algn="r" rtl="0">
               <a:spcBef>
                 <a:spcPts val="0"/>
               </a:spcBef>
@@ -2779,11 +3089,11 @@
 </file>
 
 <file path=ppt/slideLayouts/slideLayout5.xml><?xml version="1.0" encoding="utf-8"?>
-<p:sldLayout xmlns:a="http://schemas.openxmlformats.org/drawingml/2006/main" xmlns:r="http://schemas.openxmlformats.org/officeDocument/2006/relationships" xmlns:mc="http://schemas.openxmlformats.org/markup-compatibility/2006" xmlns:mv="urn:schemas-microsoft-com:mac:vml" xmlns:p="http://schemas.openxmlformats.org/presentationml/2006/main" xmlns:c="http://schemas.openxmlformats.org/drawingml/2006/chart" xmlns:dgm="http://schemas.openxmlformats.org/drawingml/2006/diagram" xmlns:o="urn:schemas-microsoft-com:office:office" xmlns:v="urn:schemas-microsoft-com:vml" xmlns:pvml="urn:schemas-microsoft-com:office:powerpoint" xmlns:com="http://schemas.openxmlformats.org/drawingml/2006/compatibility" xmlns:p14="http://schemas.microsoft.com/office/powerpoint/2010/main" xmlns:p15="http://schemas.microsoft.com/office/powerpoint/2012/main" matchingName="Title only" type="titleOnly">
+<p:sldLayout xmlns:a="http://schemas.openxmlformats.org/drawingml/2006/main" xmlns:r="http://schemas.openxmlformats.org/officeDocument/2006/relationships" xmlns:p="http://schemas.openxmlformats.org/presentationml/2006/main" matchingName="Title only" type="titleOnly">
   <p:cSld name="TITLE_ONLY">
     <p:spTree>
       <p:nvGrpSpPr>
-        <p:cNvPr id="25" name="Shape 25"/>
+        <p:cNvPr id="1" name="Shape 25"/>
         <p:cNvGrpSpPr/>
         <p:nvPr/>
       </p:nvGrpSpPr>
@@ -2798,7 +3108,9 @@
       <p:sp>
         <p:nvSpPr>
           <p:cNvPr id="26" name="Google Shape;26;p6"/>
-          <p:cNvSpPr txBox="1"/>
+          <p:cNvSpPr txBox="1">
+            <a:spLocks noGrp="1"/>
+          </p:cNvSpPr>
           <p:nvPr>
             <p:ph type="title"/>
           </p:nvPr>
@@ -2813,7 +3125,7 @@
           </a:prstGeom>
         </p:spPr>
         <p:txBody>
-          <a:bodyPr anchorCtr="0" anchor="t" bIns="91425" lIns="91425" spcFirstLastPara="1" rIns="91425" wrap="square" tIns="91425">
+          <a:bodyPr spcFirstLastPara="1" wrap="square" lIns="91425" tIns="91425" rIns="91425" bIns="91425" anchor="t" anchorCtr="0">
             <a:noAutofit/>
           </a:bodyPr>
           <a:lstStyle>
@@ -2917,15 +3229,19 @@
               <a:defRPr/>
             </a:lvl9pPr>
           </a:lstStyle>
-          <a:p/>
+          <a:p>
+            <a:endParaRPr/>
+          </a:p>
         </p:txBody>
       </p:sp>
       <p:sp>
         <p:nvSpPr>
           <p:cNvPr id="27" name="Google Shape;27;p6"/>
-          <p:cNvSpPr txBox="1"/>
+          <p:cNvSpPr txBox="1">
+            <a:spLocks noGrp="1"/>
+          </p:cNvSpPr>
           <p:nvPr>
-            <p:ph idx="12" type="sldNum"/>
+            <p:ph type="sldNum" idx="12"/>
           </p:nvPr>
         </p:nvSpPr>
         <p:spPr>
@@ -2938,7 +3254,7 @@
           </a:prstGeom>
         </p:spPr>
         <p:txBody>
-          <a:bodyPr anchorCtr="0" anchor="ctr" bIns="91425" lIns="91425" spcFirstLastPara="1" rIns="91425" wrap="square" tIns="91425">
+          <a:bodyPr spcFirstLastPara="1" wrap="square" lIns="91425" tIns="91425" rIns="91425" bIns="91425" anchor="ctr" anchorCtr="0">
             <a:noAutofit/>
           </a:bodyPr>
           <a:lstStyle>
@@ -2980,7 +3296,7 @@
             </a:lvl9pPr>
           </a:lstStyle>
           <a:p>
-            <a:pPr indent="0" lvl="0" marL="0" rtl="0" algn="r">
+            <a:pPr marL="0" lvl="0" indent="0" algn="r" rtl="0">
               <a:spcBef>
                 <a:spcPts val="0"/>
               </a:spcBef>
@@ -3006,11 +3322,11 @@
 </file>
 
 <file path=ppt/slideLayouts/slideLayout6.xml><?xml version="1.0" encoding="utf-8"?>
-<p:sldLayout xmlns:a="http://schemas.openxmlformats.org/drawingml/2006/main" xmlns:r="http://schemas.openxmlformats.org/officeDocument/2006/relationships" xmlns:mc="http://schemas.openxmlformats.org/markup-compatibility/2006" xmlns:mv="urn:schemas-microsoft-com:mac:vml" xmlns:p="http://schemas.openxmlformats.org/presentationml/2006/main" xmlns:c="http://schemas.openxmlformats.org/drawingml/2006/chart" xmlns:dgm="http://schemas.openxmlformats.org/drawingml/2006/diagram" xmlns:o="urn:schemas-microsoft-com:office:office" xmlns:v="urn:schemas-microsoft-com:vml" xmlns:pvml="urn:schemas-microsoft-com:office:powerpoint" xmlns:com="http://schemas.openxmlformats.org/drawingml/2006/compatibility" xmlns:p14="http://schemas.microsoft.com/office/powerpoint/2010/main" xmlns:p15="http://schemas.microsoft.com/office/powerpoint/2012/main" matchingName="One column text">
+<p:sldLayout xmlns:a="http://schemas.openxmlformats.org/drawingml/2006/main" xmlns:r="http://schemas.openxmlformats.org/officeDocument/2006/relationships" xmlns:p="http://schemas.openxmlformats.org/presentationml/2006/main" matchingName="One column text">
   <p:cSld name="ONE_COLUMN_TEXT">
     <p:spTree>
       <p:nvGrpSpPr>
-        <p:cNvPr id="28" name="Shape 28"/>
+        <p:cNvPr id="1" name="Shape 28"/>
         <p:cNvGrpSpPr/>
         <p:nvPr/>
       </p:nvGrpSpPr>
@@ -3025,7 +3341,9 @@
       <p:sp>
         <p:nvSpPr>
           <p:cNvPr id="29" name="Google Shape;29;p7"/>
-          <p:cNvSpPr txBox="1"/>
+          <p:cNvSpPr txBox="1">
+            <a:spLocks noGrp="1"/>
+          </p:cNvSpPr>
           <p:nvPr>
             <p:ph type="title"/>
           </p:nvPr>
@@ -3040,7 +3358,7 @@
           </a:prstGeom>
         </p:spPr>
         <p:txBody>
-          <a:bodyPr anchorCtr="0" anchor="b" bIns="91425" lIns="91425" spcFirstLastPara="1" rIns="91425" wrap="square" tIns="91425">
+          <a:bodyPr spcFirstLastPara="1" wrap="square" lIns="91425" tIns="91425" rIns="91425" bIns="91425" anchor="b" anchorCtr="0">
             <a:noAutofit/>
           </a:bodyPr>
           <a:lstStyle>
@@ -3144,15 +3462,19 @@
               <a:defRPr sz="2400"/>
             </a:lvl9pPr>
           </a:lstStyle>
-          <a:p/>
+          <a:p>
+            <a:endParaRPr/>
+          </a:p>
         </p:txBody>
       </p:sp>
       <p:sp>
         <p:nvSpPr>
           <p:cNvPr id="30" name="Google Shape;30;p7"/>
-          <p:cNvSpPr txBox="1"/>
+          <p:cNvSpPr txBox="1">
+            <a:spLocks noGrp="1"/>
+          </p:cNvSpPr>
           <p:nvPr>
-            <p:ph idx="1" type="body"/>
+            <p:ph type="body" idx="1"/>
           </p:nvPr>
         </p:nvSpPr>
         <p:spPr>
@@ -3165,11 +3487,11 @@
           </a:prstGeom>
         </p:spPr>
         <p:txBody>
-          <a:bodyPr anchorCtr="0" anchor="t" bIns="91425" lIns="91425" spcFirstLastPara="1" rIns="91425" wrap="square" tIns="91425">
+          <a:bodyPr spcFirstLastPara="1" wrap="square" lIns="91425" tIns="91425" rIns="91425" bIns="91425" anchor="t" anchorCtr="0">
             <a:noAutofit/>
           </a:bodyPr>
           <a:lstStyle>
-            <a:lvl1pPr indent="-304800" lvl="0" marL="457200">
+            <a:lvl1pPr marL="457200" lvl="0" indent="-304800">
               <a:spcBef>
                 <a:spcPts val="0"/>
               </a:spcBef>
@@ -3180,7 +3502,7 @@
               <a:buChar char="●"/>
               <a:defRPr sz="1200"/>
             </a:lvl1pPr>
-            <a:lvl2pPr indent="-304800" lvl="1" marL="914400">
+            <a:lvl2pPr marL="914400" lvl="1" indent="-304800">
               <a:spcBef>
                 <a:spcPts val="1600"/>
               </a:spcBef>
@@ -3191,7 +3513,7 @@
               <a:buChar char="○"/>
               <a:defRPr sz="1200"/>
             </a:lvl2pPr>
-            <a:lvl3pPr indent="-304800" lvl="2" marL="1371600">
+            <a:lvl3pPr marL="1371600" lvl="2" indent="-304800">
               <a:spcBef>
                 <a:spcPts val="1600"/>
               </a:spcBef>
@@ -3202,7 +3524,7 @@
               <a:buChar char="■"/>
               <a:defRPr sz="1200"/>
             </a:lvl3pPr>
-            <a:lvl4pPr indent="-304800" lvl="3" marL="1828800">
+            <a:lvl4pPr marL="1828800" lvl="3" indent="-304800">
               <a:spcBef>
                 <a:spcPts val="1600"/>
               </a:spcBef>
@@ -3213,7 +3535,7 @@
               <a:buChar char="●"/>
               <a:defRPr sz="1200"/>
             </a:lvl4pPr>
-            <a:lvl5pPr indent="-304800" lvl="4" marL="2286000">
+            <a:lvl5pPr marL="2286000" lvl="4" indent="-304800">
               <a:spcBef>
                 <a:spcPts val="1600"/>
               </a:spcBef>
@@ -3224,7 +3546,7 @@
               <a:buChar char="○"/>
               <a:defRPr sz="1200"/>
             </a:lvl5pPr>
-            <a:lvl6pPr indent="-304800" lvl="5" marL="2743200">
+            <a:lvl6pPr marL="2743200" lvl="5" indent="-304800">
               <a:spcBef>
                 <a:spcPts val="1600"/>
               </a:spcBef>
@@ -3235,7 +3557,7 @@
               <a:buChar char="■"/>
               <a:defRPr sz="1200"/>
             </a:lvl6pPr>
-            <a:lvl7pPr indent="-304800" lvl="6" marL="3200400">
+            <a:lvl7pPr marL="3200400" lvl="6" indent="-304800">
               <a:spcBef>
                 <a:spcPts val="1600"/>
               </a:spcBef>
@@ -3246,7 +3568,7 @@
               <a:buChar char="●"/>
               <a:defRPr sz="1200"/>
             </a:lvl7pPr>
-            <a:lvl8pPr indent="-304800" lvl="7" marL="3657600">
+            <a:lvl8pPr marL="3657600" lvl="7" indent="-304800">
               <a:spcBef>
                 <a:spcPts val="1600"/>
               </a:spcBef>
@@ -3257,7 +3579,7 @@
               <a:buChar char="○"/>
               <a:defRPr sz="1200"/>
             </a:lvl8pPr>
-            <a:lvl9pPr indent="-304800" lvl="8" marL="4114800">
+            <a:lvl9pPr marL="4114800" lvl="8" indent="-304800">
               <a:spcBef>
                 <a:spcPts val="1600"/>
               </a:spcBef>
@@ -3269,15 +3591,19 @@
               <a:defRPr sz="1200"/>
             </a:lvl9pPr>
           </a:lstStyle>
-          <a:p/>
+          <a:p>
+            <a:endParaRPr/>
+          </a:p>
         </p:txBody>
       </p:sp>
       <p:sp>
         <p:nvSpPr>
           <p:cNvPr id="31" name="Google Shape;31;p7"/>
-          <p:cNvSpPr txBox="1"/>
+          <p:cNvSpPr txBox="1">
+            <a:spLocks noGrp="1"/>
+          </p:cNvSpPr>
           <p:nvPr>
-            <p:ph idx="12" type="sldNum"/>
+            <p:ph type="sldNum" idx="12"/>
           </p:nvPr>
         </p:nvSpPr>
         <p:spPr>
@@ -3290,7 +3616,7 @@
           </a:prstGeom>
         </p:spPr>
         <p:txBody>
-          <a:bodyPr anchorCtr="0" anchor="ctr" bIns="91425" lIns="91425" spcFirstLastPara="1" rIns="91425" wrap="square" tIns="91425">
+          <a:bodyPr spcFirstLastPara="1" wrap="square" lIns="91425" tIns="91425" rIns="91425" bIns="91425" anchor="ctr" anchorCtr="0">
             <a:noAutofit/>
           </a:bodyPr>
           <a:lstStyle>
@@ -3332,7 +3658,7 @@
             </a:lvl9pPr>
           </a:lstStyle>
           <a:p>
-            <a:pPr indent="0" lvl="0" marL="0" rtl="0" algn="r">
+            <a:pPr marL="0" lvl="0" indent="0" algn="r" rtl="0">
               <a:spcBef>
                 <a:spcPts val="0"/>
               </a:spcBef>
@@ -3358,11 +3684,11 @@
 </file>
 
 <file path=ppt/slideLayouts/slideLayout7.xml><?xml version="1.0" encoding="utf-8"?>
-<p:sldLayout xmlns:a="http://schemas.openxmlformats.org/drawingml/2006/main" xmlns:r="http://schemas.openxmlformats.org/officeDocument/2006/relationships" xmlns:mc="http://schemas.openxmlformats.org/markup-compatibility/2006" xmlns:mv="urn:schemas-microsoft-com:mac:vml" xmlns:p="http://schemas.openxmlformats.org/presentationml/2006/main" xmlns:c="http://schemas.openxmlformats.org/drawingml/2006/chart" xmlns:dgm="http://schemas.openxmlformats.org/drawingml/2006/diagram" xmlns:o="urn:schemas-microsoft-com:office:office" xmlns:v="urn:schemas-microsoft-com:vml" xmlns:pvml="urn:schemas-microsoft-com:office:powerpoint" xmlns:com="http://schemas.openxmlformats.org/drawingml/2006/compatibility" xmlns:p14="http://schemas.microsoft.com/office/powerpoint/2010/main" xmlns:p15="http://schemas.microsoft.com/office/powerpoint/2012/main" matchingName="Main point">
+<p:sldLayout xmlns:a="http://schemas.openxmlformats.org/drawingml/2006/main" xmlns:r="http://schemas.openxmlformats.org/officeDocument/2006/relationships" xmlns:p="http://schemas.openxmlformats.org/presentationml/2006/main" matchingName="Main point">
   <p:cSld name="MAIN_POINT">
     <p:spTree>
       <p:nvGrpSpPr>
-        <p:cNvPr id="32" name="Shape 32"/>
+        <p:cNvPr id="1" name="Shape 32"/>
         <p:cNvGrpSpPr/>
         <p:nvPr/>
       </p:nvGrpSpPr>
@@ -3377,7 +3703,9 @@
       <p:sp>
         <p:nvSpPr>
           <p:cNvPr id="33" name="Google Shape;33;p8"/>
-          <p:cNvSpPr txBox="1"/>
+          <p:cNvSpPr txBox="1">
+            <a:spLocks noGrp="1"/>
+          </p:cNvSpPr>
           <p:nvPr>
             <p:ph type="title"/>
           </p:nvPr>
@@ -3392,7 +3720,7 @@
           </a:prstGeom>
         </p:spPr>
         <p:txBody>
-          <a:bodyPr anchorCtr="0" anchor="ctr" bIns="91425" lIns="91425" spcFirstLastPara="1" rIns="91425" wrap="square" tIns="91425">
+          <a:bodyPr spcFirstLastPara="1" wrap="square" lIns="91425" tIns="91425" rIns="91425" bIns="91425" anchor="ctr" anchorCtr="0">
             <a:noAutofit/>
           </a:bodyPr>
           <a:lstStyle>
@@ -3496,15 +3824,19 @@
               <a:defRPr sz="4800"/>
             </a:lvl9pPr>
           </a:lstStyle>
-          <a:p/>
+          <a:p>
+            <a:endParaRPr/>
+          </a:p>
         </p:txBody>
       </p:sp>
       <p:sp>
         <p:nvSpPr>
           <p:cNvPr id="34" name="Google Shape;34;p8"/>
-          <p:cNvSpPr txBox="1"/>
+          <p:cNvSpPr txBox="1">
+            <a:spLocks noGrp="1"/>
+          </p:cNvSpPr>
           <p:nvPr>
-            <p:ph idx="12" type="sldNum"/>
+            <p:ph type="sldNum" idx="12"/>
           </p:nvPr>
         </p:nvSpPr>
         <p:spPr>
@@ -3517,7 +3849,7 @@
           </a:prstGeom>
         </p:spPr>
         <p:txBody>
-          <a:bodyPr anchorCtr="0" anchor="ctr" bIns="91425" lIns="91425" spcFirstLastPara="1" rIns="91425" wrap="square" tIns="91425">
+          <a:bodyPr spcFirstLastPara="1" wrap="square" lIns="91425" tIns="91425" rIns="91425" bIns="91425" anchor="ctr" anchorCtr="0">
             <a:noAutofit/>
           </a:bodyPr>
           <a:lstStyle>
@@ -3559,7 +3891,7 @@
             </a:lvl9pPr>
           </a:lstStyle>
           <a:p>
-            <a:pPr indent="0" lvl="0" marL="0" rtl="0" algn="r">
+            <a:pPr marL="0" lvl="0" indent="0" algn="r" rtl="0">
               <a:spcBef>
                 <a:spcPts val="0"/>
               </a:spcBef>
@@ -3585,11 +3917,11 @@
 </file>
 
 <file path=ppt/slideLayouts/slideLayout8.xml><?xml version="1.0" encoding="utf-8"?>
-<p:sldLayout xmlns:a="http://schemas.openxmlformats.org/drawingml/2006/main" xmlns:r="http://schemas.openxmlformats.org/officeDocument/2006/relationships" xmlns:mc="http://schemas.openxmlformats.org/markup-compatibility/2006" xmlns:mv="urn:schemas-microsoft-com:mac:vml" xmlns:p="http://schemas.openxmlformats.org/presentationml/2006/main" xmlns:c="http://schemas.openxmlformats.org/drawingml/2006/chart" xmlns:dgm="http://schemas.openxmlformats.org/drawingml/2006/diagram" xmlns:o="urn:schemas-microsoft-com:office:office" xmlns:v="urn:schemas-microsoft-com:vml" xmlns:pvml="urn:schemas-microsoft-com:office:powerpoint" xmlns:com="http://schemas.openxmlformats.org/drawingml/2006/compatibility" xmlns:p14="http://schemas.microsoft.com/office/powerpoint/2010/main" xmlns:p15="http://schemas.microsoft.com/office/powerpoint/2012/main" matchingName="Section title and description">
+<p:sldLayout xmlns:a="http://schemas.openxmlformats.org/drawingml/2006/main" xmlns:r="http://schemas.openxmlformats.org/officeDocument/2006/relationships" xmlns:p="http://schemas.openxmlformats.org/presentationml/2006/main" matchingName="Section title and description">
   <p:cSld name="SECTION_TITLE_AND_DESCRIPTION">
     <p:spTree>
       <p:nvGrpSpPr>
-        <p:cNvPr id="35" name="Shape 35"/>
+        <p:cNvPr id="1" name="Shape 35"/>
         <p:cNvGrpSpPr/>
         <p:nvPr/>
       </p:nvGrpSpPr>
@@ -3623,12 +3955,12 @@
           </a:ln>
         </p:spPr>
         <p:txBody>
-          <a:bodyPr anchorCtr="0" anchor="ctr" bIns="91425" lIns="91425" spcFirstLastPara="1" rIns="91425" wrap="square" tIns="91425">
+          <a:bodyPr spcFirstLastPara="1" wrap="square" lIns="91425" tIns="91425" rIns="91425" bIns="91425" anchor="ctr" anchorCtr="0">
             <a:noAutofit/>
           </a:bodyPr>
           <a:lstStyle/>
           <a:p>
-            <a:pPr indent="0" lvl="0" marL="0" rtl="0" algn="l">
+            <a:pPr marL="0" lvl="0" indent="0" algn="l" rtl="0">
               <a:spcBef>
                 <a:spcPts val="0"/>
               </a:spcBef>
@@ -3637,9 +3969,6 @@
               </a:spcAft>
               <a:buNone/>
             </a:pPr>
-            <a:r>
-              <a:t/>
-            </a:r>
             <a:endParaRPr/>
           </a:p>
         </p:txBody>
@@ -3647,7 +3976,9 @@
       <p:sp>
         <p:nvSpPr>
           <p:cNvPr id="37" name="Google Shape;37;p9"/>
-          <p:cNvSpPr txBox="1"/>
+          <p:cNvSpPr txBox="1">
+            <a:spLocks noGrp="1"/>
+          </p:cNvSpPr>
           <p:nvPr>
             <p:ph type="title"/>
           </p:nvPr>
@@ -3662,7 +3993,7 @@
           </a:prstGeom>
         </p:spPr>
         <p:txBody>
-          <a:bodyPr anchorCtr="0" anchor="b" bIns="91425" lIns="91425" spcFirstLastPara="1" rIns="91425" wrap="square" tIns="91425">
+          <a:bodyPr spcFirstLastPara="1" wrap="square" lIns="91425" tIns="91425" rIns="91425" bIns="91425" anchor="b" anchorCtr="0">
             <a:noAutofit/>
           </a:bodyPr>
           <a:lstStyle>
@@ -3766,15 +4097,19 @@
               <a:defRPr sz="4200"/>
             </a:lvl9pPr>
           </a:lstStyle>
-          <a:p/>
+          <a:p>
+            <a:endParaRPr/>
+          </a:p>
         </p:txBody>
       </p:sp>
       <p:sp>
         <p:nvSpPr>
           <p:cNvPr id="38" name="Google Shape;38;p9"/>
-          <p:cNvSpPr txBox="1"/>
+          <p:cNvSpPr txBox="1">
+            <a:spLocks noGrp="1"/>
+          </p:cNvSpPr>
           <p:nvPr>
-            <p:ph idx="1" type="subTitle"/>
+            <p:ph type="subTitle" idx="1"/>
           </p:nvPr>
         </p:nvSpPr>
         <p:spPr>
@@ -3787,7 +4122,7 @@
           </a:prstGeom>
         </p:spPr>
         <p:txBody>
-          <a:bodyPr anchorCtr="0" anchor="t" bIns="91425" lIns="91425" spcFirstLastPara="1" rIns="91425" wrap="square" tIns="91425">
+          <a:bodyPr spcFirstLastPara="1" wrap="square" lIns="91425" tIns="91425" rIns="91425" bIns="91425" anchor="t" anchorCtr="0">
             <a:noAutofit/>
           </a:bodyPr>
           <a:lstStyle>
@@ -3918,15 +4253,19 @@
               <a:defRPr sz="2100"/>
             </a:lvl9pPr>
           </a:lstStyle>
-          <a:p/>
+          <a:p>
+            <a:endParaRPr/>
+          </a:p>
         </p:txBody>
       </p:sp>
       <p:sp>
         <p:nvSpPr>
           <p:cNvPr id="39" name="Google Shape;39;p9"/>
-          <p:cNvSpPr txBox="1"/>
+          <p:cNvSpPr txBox="1">
+            <a:spLocks noGrp="1"/>
+          </p:cNvSpPr>
           <p:nvPr>
-            <p:ph idx="2" type="body"/>
+            <p:ph type="body" idx="2"/>
           </p:nvPr>
         </p:nvSpPr>
         <p:spPr>
@@ -3939,11 +4278,11 @@
           </a:prstGeom>
         </p:spPr>
         <p:txBody>
-          <a:bodyPr anchorCtr="0" anchor="ctr" bIns="91425" lIns="91425" spcFirstLastPara="1" rIns="91425" wrap="square" tIns="91425">
+          <a:bodyPr spcFirstLastPara="1" wrap="square" lIns="91425" tIns="91425" rIns="91425" bIns="91425" anchor="ctr" anchorCtr="0">
             <a:noAutofit/>
           </a:bodyPr>
           <a:lstStyle>
-            <a:lvl1pPr indent="-342900" lvl="0" marL="457200">
+            <a:lvl1pPr marL="457200" lvl="0" indent="-342900">
               <a:spcBef>
                 <a:spcPts val="0"/>
               </a:spcBef>
@@ -3954,7 +4293,7 @@
               <a:buChar char="●"/>
               <a:defRPr/>
             </a:lvl1pPr>
-            <a:lvl2pPr indent="-317500" lvl="1" marL="914400">
+            <a:lvl2pPr marL="914400" lvl="1" indent="-317500">
               <a:spcBef>
                 <a:spcPts val="1600"/>
               </a:spcBef>
@@ -3965,7 +4304,7 @@
               <a:buChar char="○"/>
               <a:defRPr/>
             </a:lvl2pPr>
-            <a:lvl3pPr indent="-317500" lvl="2" marL="1371600">
+            <a:lvl3pPr marL="1371600" lvl="2" indent="-317500">
               <a:spcBef>
                 <a:spcPts val="1600"/>
               </a:spcBef>
@@ -3976,7 +4315,7 @@
               <a:buChar char="■"/>
               <a:defRPr/>
             </a:lvl3pPr>
-            <a:lvl4pPr indent="-317500" lvl="3" marL="1828800">
+            <a:lvl4pPr marL="1828800" lvl="3" indent="-317500">
               <a:spcBef>
                 <a:spcPts val="1600"/>
               </a:spcBef>
@@ -3987,7 +4326,7 @@
               <a:buChar char="●"/>
               <a:defRPr/>
             </a:lvl4pPr>
-            <a:lvl5pPr indent="-317500" lvl="4" marL="2286000">
+            <a:lvl5pPr marL="2286000" lvl="4" indent="-317500">
               <a:spcBef>
                 <a:spcPts val="1600"/>
               </a:spcBef>
@@ -3998,7 +4337,7 @@
               <a:buChar char="○"/>
               <a:defRPr/>
             </a:lvl5pPr>
-            <a:lvl6pPr indent="-317500" lvl="5" marL="2743200">
+            <a:lvl6pPr marL="2743200" lvl="5" indent="-317500">
               <a:spcBef>
                 <a:spcPts val="1600"/>
               </a:spcBef>
@@ -4009,7 +4348,7 @@
               <a:buChar char="■"/>
               <a:defRPr/>
             </a:lvl6pPr>
-            <a:lvl7pPr indent="-317500" lvl="6" marL="3200400">
+            <a:lvl7pPr marL="3200400" lvl="6" indent="-317500">
               <a:spcBef>
                 <a:spcPts val="1600"/>
               </a:spcBef>
@@ -4020,7 +4359,7 @@
               <a:buChar char="●"/>
               <a:defRPr/>
             </a:lvl7pPr>
-            <a:lvl8pPr indent="-317500" lvl="7" marL="3657600">
+            <a:lvl8pPr marL="3657600" lvl="7" indent="-317500">
               <a:spcBef>
                 <a:spcPts val="1600"/>
               </a:spcBef>
@@ -4031,7 +4370,7 @@
               <a:buChar char="○"/>
               <a:defRPr/>
             </a:lvl8pPr>
-            <a:lvl9pPr indent="-317500" lvl="8" marL="4114800">
+            <a:lvl9pPr marL="4114800" lvl="8" indent="-317500">
               <a:spcBef>
                 <a:spcPts val="1600"/>
               </a:spcBef>
@@ -4043,15 +4382,19 @@
               <a:defRPr/>
             </a:lvl9pPr>
           </a:lstStyle>
-          <a:p/>
+          <a:p>
+            <a:endParaRPr/>
+          </a:p>
         </p:txBody>
       </p:sp>
       <p:sp>
         <p:nvSpPr>
           <p:cNvPr id="40" name="Google Shape;40;p9"/>
-          <p:cNvSpPr txBox="1"/>
+          <p:cNvSpPr txBox="1">
+            <a:spLocks noGrp="1"/>
+          </p:cNvSpPr>
           <p:nvPr>
-            <p:ph idx="12" type="sldNum"/>
+            <p:ph type="sldNum" idx="12"/>
           </p:nvPr>
         </p:nvSpPr>
         <p:spPr>
@@ -4064,7 +4407,7 @@
           </a:prstGeom>
         </p:spPr>
         <p:txBody>
-          <a:bodyPr anchorCtr="0" anchor="ctr" bIns="91425" lIns="91425" spcFirstLastPara="1" rIns="91425" wrap="square" tIns="91425">
+          <a:bodyPr spcFirstLastPara="1" wrap="square" lIns="91425" tIns="91425" rIns="91425" bIns="91425" anchor="ctr" anchorCtr="0">
             <a:noAutofit/>
           </a:bodyPr>
           <a:lstStyle>
@@ -4106,7 +4449,7 @@
             </a:lvl9pPr>
           </a:lstStyle>
           <a:p>
-            <a:pPr indent="0" lvl="0" marL="0" rtl="0" algn="r">
+            <a:pPr marL="0" lvl="0" indent="0" algn="r" rtl="0">
               <a:spcBef>
                 <a:spcPts val="0"/>
               </a:spcBef>
@@ -4132,11 +4475,11 @@
 </file>
 
 <file path=ppt/slideLayouts/slideLayout9.xml><?xml version="1.0" encoding="utf-8"?>
-<p:sldLayout xmlns:a="http://schemas.openxmlformats.org/drawingml/2006/main" xmlns:r="http://schemas.openxmlformats.org/officeDocument/2006/relationships" xmlns:mc="http://schemas.openxmlformats.org/markup-compatibility/2006" xmlns:mv="urn:schemas-microsoft-com:mac:vml" xmlns:p="http://schemas.openxmlformats.org/presentationml/2006/main" xmlns:c="http://schemas.openxmlformats.org/drawingml/2006/chart" xmlns:dgm="http://schemas.openxmlformats.org/drawingml/2006/diagram" xmlns:o="urn:schemas-microsoft-com:office:office" xmlns:v="urn:schemas-microsoft-com:vml" xmlns:pvml="urn:schemas-microsoft-com:office:powerpoint" xmlns:com="http://schemas.openxmlformats.org/drawingml/2006/compatibility" xmlns:p14="http://schemas.microsoft.com/office/powerpoint/2010/main" xmlns:p15="http://schemas.microsoft.com/office/powerpoint/2012/main" matchingName="Caption">
+<p:sldLayout xmlns:a="http://schemas.openxmlformats.org/drawingml/2006/main" xmlns:r="http://schemas.openxmlformats.org/officeDocument/2006/relationships" xmlns:p="http://schemas.openxmlformats.org/presentationml/2006/main" matchingName="Caption">
   <p:cSld name="CAPTION_ONLY">
     <p:spTree>
       <p:nvGrpSpPr>
-        <p:cNvPr id="41" name="Shape 41"/>
+        <p:cNvPr id="1" name="Shape 41"/>
         <p:cNvGrpSpPr/>
         <p:nvPr/>
       </p:nvGrpSpPr>
@@ -4151,9 +4494,11 @@
       <p:sp>
         <p:nvSpPr>
           <p:cNvPr id="42" name="Google Shape;42;p10"/>
-          <p:cNvSpPr txBox="1"/>
+          <p:cNvSpPr txBox="1">
+            <a:spLocks noGrp="1"/>
+          </p:cNvSpPr>
           <p:nvPr>
-            <p:ph idx="1" type="body"/>
+            <p:ph type="body" idx="1"/>
           </p:nvPr>
         </p:nvSpPr>
         <p:spPr>
@@ -4166,11 +4511,11 @@
           </a:prstGeom>
         </p:spPr>
         <p:txBody>
-          <a:bodyPr anchorCtr="0" anchor="ctr" bIns="91425" lIns="91425" spcFirstLastPara="1" rIns="91425" wrap="square" tIns="91425">
+          <a:bodyPr spcFirstLastPara="1" wrap="square" lIns="91425" tIns="91425" rIns="91425" bIns="91425" anchor="ctr" anchorCtr="0">
             <a:noAutofit/>
           </a:bodyPr>
           <a:lstStyle>
-            <a:lvl1pPr indent="-228600" lvl="0" marL="457200">
+            <a:lvl1pPr marL="457200" lvl="0" indent="-228600">
               <a:lnSpc>
                 <a:spcPct val="100000"/>
               </a:lnSpc>
@@ -4185,15 +4530,19 @@
               <a:defRPr/>
             </a:lvl1pPr>
           </a:lstStyle>
-          <a:p/>
+          <a:p>
+            <a:endParaRPr/>
+          </a:p>
         </p:txBody>
       </p:sp>
       <p:sp>
         <p:nvSpPr>
           <p:cNvPr id="43" name="Google Shape;43;p10"/>
-          <p:cNvSpPr txBox="1"/>
+          <p:cNvSpPr txBox="1">
+            <a:spLocks noGrp="1"/>
+          </p:cNvSpPr>
           <p:nvPr>
-            <p:ph idx="12" type="sldNum"/>
+            <p:ph type="sldNum" idx="12"/>
           </p:nvPr>
         </p:nvSpPr>
         <p:spPr>
@@ -4206,7 +4555,7 @@
           </a:prstGeom>
         </p:spPr>
         <p:txBody>
-          <a:bodyPr anchorCtr="0" anchor="ctr" bIns="91425" lIns="91425" spcFirstLastPara="1" rIns="91425" wrap="square" tIns="91425">
+          <a:bodyPr spcFirstLastPara="1" wrap="square" lIns="91425" tIns="91425" rIns="91425" bIns="91425" anchor="ctr" anchorCtr="0">
             <a:noAutofit/>
           </a:bodyPr>
           <a:lstStyle>
@@ -4248,7 +4597,7 @@
             </a:lvl9pPr>
           </a:lstStyle>
           <a:p>
-            <a:pPr indent="0" lvl="0" marL="0" rtl="0" algn="r">
+            <a:pPr marL="0" lvl="0" indent="0" algn="r" rtl="0">
               <a:spcBef>
                 <a:spcPts val="0"/>
               </a:spcBef>
@@ -4274,18 +4623,19 @@
 </file>
 
 <file path=ppt/slideMasters/slideMaster1.xml><?xml version="1.0" encoding="utf-8"?>
-<p:sldMaster xmlns:a="http://schemas.openxmlformats.org/drawingml/2006/main" xmlns:r="http://schemas.openxmlformats.org/officeDocument/2006/relationships" xmlns:mc="http://schemas.openxmlformats.org/markup-compatibility/2006" xmlns:mv="urn:schemas-microsoft-com:mac:vml" xmlns:p="http://schemas.openxmlformats.org/presentationml/2006/main" xmlns:c="http://schemas.openxmlformats.org/drawingml/2006/chart" xmlns:dgm="http://schemas.openxmlformats.org/drawingml/2006/diagram" xmlns:o="urn:schemas-microsoft-com:office:office" xmlns:v="urn:schemas-microsoft-com:vml" xmlns:pvml="urn:schemas-microsoft-com:office:powerpoint" xmlns:com="http://schemas.openxmlformats.org/drawingml/2006/compatibility" xmlns:p14="http://schemas.microsoft.com/office/powerpoint/2010/main" xmlns:p15="http://schemas.microsoft.com/office/powerpoint/2012/main">
+<p:sldMaster xmlns:a="http://schemas.openxmlformats.org/drawingml/2006/main" xmlns:r="http://schemas.openxmlformats.org/officeDocument/2006/relationships" xmlns:p="http://schemas.openxmlformats.org/presentationml/2006/main">
   <p:cSld name="simple-light-2">
     <p:bg>
       <p:bgPr>
         <a:solidFill>
           <a:schemeClr val="lt1"/>
         </a:solidFill>
+        <a:effectLst/>
       </p:bgPr>
     </p:bg>
     <p:spTree>
       <p:nvGrpSpPr>
-        <p:cNvPr id="5" name="Shape 5"/>
+        <p:cNvPr id="1" name="Shape 5"/>
         <p:cNvGrpSpPr/>
         <p:nvPr/>
       </p:nvGrpSpPr>
@@ -4300,7 +4650,9 @@
       <p:sp>
         <p:nvSpPr>
           <p:cNvPr id="6" name="Google Shape;6;p1"/>
-          <p:cNvSpPr txBox="1"/>
+          <p:cNvSpPr txBox="1">
+            <a:spLocks noGrp="1"/>
+          </p:cNvSpPr>
           <p:nvPr>
             <p:ph type="title"/>
           </p:nvPr>
@@ -4319,7 +4671,7 @@
           </a:ln>
         </p:spPr>
         <p:txBody>
-          <a:bodyPr anchorCtr="0" anchor="t" bIns="91425" lIns="91425" spcFirstLastPara="1" rIns="91425" wrap="square" tIns="91425">
+          <a:bodyPr spcFirstLastPara="1" wrap="square" lIns="91425" tIns="91425" rIns="91425" bIns="91425" anchor="t" anchorCtr="0">
             <a:noAutofit/>
           </a:bodyPr>
           <a:lstStyle>
@@ -4486,15 +4838,19 @@
               </a:defRPr>
             </a:lvl9pPr>
           </a:lstStyle>
-          <a:p/>
+          <a:p>
+            <a:endParaRPr/>
+          </a:p>
         </p:txBody>
       </p:sp>
       <p:sp>
         <p:nvSpPr>
           <p:cNvPr id="7" name="Google Shape;7;p1"/>
-          <p:cNvSpPr txBox="1"/>
+          <p:cNvSpPr txBox="1">
+            <a:spLocks noGrp="1"/>
+          </p:cNvSpPr>
           <p:nvPr>
-            <p:ph idx="1" type="body"/>
+            <p:ph type="body" idx="1"/>
           </p:nvPr>
         </p:nvSpPr>
         <p:spPr>
@@ -4511,11 +4867,11 @@
           </a:ln>
         </p:spPr>
         <p:txBody>
-          <a:bodyPr anchorCtr="0" anchor="t" bIns="91425" lIns="91425" spcFirstLastPara="1" rIns="91425" wrap="square" tIns="91425">
+          <a:bodyPr spcFirstLastPara="1" wrap="square" lIns="91425" tIns="91425" rIns="91425" bIns="91425" anchor="t" anchorCtr="0">
             <a:noAutofit/>
           </a:bodyPr>
           <a:lstStyle>
-            <a:lvl1pPr indent="-342900" lvl="0" marL="457200">
+            <a:lvl1pPr marL="457200" lvl="0" indent="-342900">
               <a:lnSpc>
                 <a:spcPct val="115000"/>
               </a:lnSpc>
@@ -4536,7 +4892,7 @@
                 </a:solidFill>
               </a:defRPr>
             </a:lvl1pPr>
-            <a:lvl2pPr indent="-317500" lvl="1" marL="914400">
+            <a:lvl2pPr marL="914400" lvl="1" indent="-317500">
               <a:lnSpc>
                 <a:spcPct val="115000"/>
               </a:lnSpc>
@@ -4557,7 +4913,7 @@
                 </a:solidFill>
               </a:defRPr>
             </a:lvl2pPr>
-            <a:lvl3pPr indent="-317500" lvl="2" marL="1371600">
+            <a:lvl3pPr marL="1371600" lvl="2" indent="-317500">
               <a:lnSpc>
                 <a:spcPct val="115000"/>
               </a:lnSpc>
@@ -4578,7 +4934,7 @@
                 </a:solidFill>
               </a:defRPr>
             </a:lvl3pPr>
-            <a:lvl4pPr indent="-317500" lvl="3" marL="1828800">
+            <a:lvl4pPr marL="1828800" lvl="3" indent="-317500">
               <a:lnSpc>
                 <a:spcPct val="115000"/>
               </a:lnSpc>
@@ -4599,7 +4955,7 @@
                 </a:solidFill>
               </a:defRPr>
             </a:lvl4pPr>
-            <a:lvl5pPr indent="-317500" lvl="4" marL="2286000">
+            <a:lvl5pPr marL="2286000" lvl="4" indent="-317500">
               <a:lnSpc>
                 <a:spcPct val="115000"/>
               </a:lnSpc>
@@ -4620,7 +4976,7 @@
                 </a:solidFill>
               </a:defRPr>
             </a:lvl5pPr>
-            <a:lvl6pPr indent="-317500" lvl="5" marL="2743200">
+            <a:lvl6pPr marL="2743200" lvl="5" indent="-317500">
               <a:lnSpc>
                 <a:spcPct val="115000"/>
               </a:lnSpc>
@@ -4641,7 +4997,7 @@
                 </a:solidFill>
               </a:defRPr>
             </a:lvl6pPr>
-            <a:lvl7pPr indent="-317500" lvl="6" marL="3200400">
+            <a:lvl7pPr marL="3200400" lvl="6" indent="-317500">
               <a:lnSpc>
                 <a:spcPct val="115000"/>
               </a:lnSpc>
@@ -4662,7 +5018,7 @@
                 </a:solidFill>
               </a:defRPr>
             </a:lvl7pPr>
-            <a:lvl8pPr indent="-317500" lvl="7" marL="3657600">
+            <a:lvl8pPr marL="3657600" lvl="7" indent="-317500">
               <a:lnSpc>
                 <a:spcPct val="115000"/>
               </a:lnSpc>
@@ -4683,7 +5039,7 @@
                 </a:solidFill>
               </a:defRPr>
             </a:lvl8pPr>
-            <a:lvl9pPr indent="-317500" lvl="8" marL="4114800">
+            <a:lvl9pPr marL="4114800" lvl="8" indent="-317500">
               <a:lnSpc>
                 <a:spcPct val="115000"/>
               </a:lnSpc>
@@ -4705,15 +5061,19 @@
               </a:defRPr>
             </a:lvl9pPr>
           </a:lstStyle>
-          <a:p/>
+          <a:p>
+            <a:endParaRPr/>
+          </a:p>
         </p:txBody>
       </p:sp>
       <p:sp>
         <p:nvSpPr>
           <p:cNvPr id="8" name="Google Shape;8;p1"/>
-          <p:cNvSpPr txBox="1"/>
+          <p:cNvSpPr txBox="1">
+            <a:spLocks noGrp="1"/>
+          </p:cNvSpPr>
           <p:nvPr>
-            <p:ph idx="12" type="sldNum"/>
+            <p:ph type="sldNum" idx="12"/>
           </p:nvPr>
         </p:nvSpPr>
         <p:spPr>
@@ -4730,7 +5090,7 @@
           </a:ln>
         </p:spPr>
         <p:txBody>
-          <a:bodyPr anchorCtr="0" anchor="ctr" bIns="91425" lIns="91425" spcFirstLastPara="1" rIns="91425" wrap="square" tIns="91425">
+          <a:bodyPr spcFirstLastPara="1" wrap="square" lIns="91425" tIns="91425" rIns="91425" bIns="91425" anchor="ctr" anchorCtr="0">
             <a:noAutofit/>
           </a:bodyPr>
           <a:lstStyle>
@@ -4808,7 +5168,7 @@
             </a:lvl9pPr>
           </a:lstStyle>
           <a:p>
-            <a:pPr indent="0" lvl="0" marL="0" rtl="0" algn="r">
+            <a:pPr marL="0" lvl="0" indent="0" algn="r" rtl="0">
               <a:spcBef>
                 <a:spcPts val="0"/>
               </a:spcBef>
@@ -4827,7 +5187,7 @@
       </p:sp>
     </p:spTree>
   </p:cSld>
-  <p:clrMap accent1="accent1" accent2="accent2" accent3="accent3" accent4="accent4" accent5="accent5" accent6="accent6" bg1="lt1" bg2="dk2" tx1="dk1" tx2="lt2" folHlink="folHlink" hlink="hlink"/>
+  <p:clrMap bg1="lt1" tx1="dk1" bg2="dk2" tx2="lt2" accent1="accent1" accent2="accent2" accent3="accent3" accent4="accent4" accent5="accent5" accent6="accent6" hlink="hlink" folHlink="folHlink"/>
   <p:sldLayoutIdLst>
     <p:sldLayoutId id="2147483648" r:id="rId1"/>
     <p:sldLayoutId id="2147483649" r:id="rId2"/>
@@ -4841,10 +5201,10 @@
     <p:sldLayoutId id="2147483657" r:id="rId10"/>
     <p:sldLayoutId id="2147483658" r:id="rId11"/>
   </p:sldLayoutIdLst>
-  <p:hf dt="0" ftr="0" hdr="0" sldNum="0"/>
+  <p:hf sldNum="0" hdr="0" ftr="0" dt="0"/>
   <p:txStyles>
     <p:titleStyle>
-      <a:defPPr lvl="0" marR="0" rtl="0" algn="l">
+      <a:defPPr marR="0" lvl="0" algn="l" rtl="0">
         <a:lnSpc>
           <a:spcPct val="100000"/>
         </a:lnSpc>
@@ -4855,7 +5215,7 @@
           <a:spcPts val="0"/>
         </a:spcAft>
       </a:defPPr>
-      <a:lvl1pPr lvl="0" marR="0" rtl="0" algn="l">
+      <a:lvl1pPr marR="0" lvl="0" algn="l" rtl="0">
         <a:lnSpc>
           <a:spcPct val="100000"/>
         </a:lnSpc>
@@ -4869,7 +5229,7 @@
           <a:srgbClr val="000000"/>
         </a:buClr>
         <a:buFont typeface="Arial"/>
-        <a:defRPr b="0" i="0" sz="1400" u="none" cap="none" strike="noStrike">
+        <a:defRPr sz="1400" b="0" i="0" u="none" strike="noStrike" cap="none">
           <a:solidFill>
             <a:srgbClr val="000000"/>
           </a:solidFill>
@@ -4879,7 +5239,7 @@
           <a:sym typeface="Arial"/>
         </a:defRPr>
       </a:lvl1pPr>
-      <a:lvl2pPr lvl="1" marR="0" rtl="0" algn="l">
+      <a:lvl2pPr marR="0" lvl="1" algn="l" rtl="0">
         <a:lnSpc>
           <a:spcPct val="100000"/>
         </a:lnSpc>
@@ -4893,7 +5253,7 @@
           <a:srgbClr val="000000"/>
         </a:buClr>
         <a:buFont typeface="Arial"/>
-        <a:defRPr b="0" i="0" sz="1400" u="none" cap="none" strike="noStrike">
+        <a:defRPr sz="1400" b="0" i="0" u="none" strike="noStrike" cap="none">
           <a:solidFill>
             <a:srgbClr val="000000"/>
           </a:solidFill>
@@ -4903,7 +5263,7 @@
           <a:sym typeface="Arial"/>
         </a:defRPr>
       </a:lvl2pPr>
-      <a:lvl3pPr lvl="2" marR="0" rtl="0" algn="l">
+      <a:lvl3pPr marR="0" lvl="2" algn="l" rtl="0">
         <a:lnSpc>
           <a:spcPct val="100000"/>
         </a:lnSpc>
@@ -4917,7 +5277,7 @@
           <a:srgbClr val="000000"/>
         </a:buClr>
         <a:buFont typeface="Arial"/>
-        <a:defRPr b="0" i="0" sz="1400" u="none" cap="none" strike="noStrike">
+        <a:defRPr sz="1400" b="0" i="0" u="none" strike="noStrike" cap="none">
           <a:solidFill>
             <a:srgbClr val="000000"/>
           </a:solidFill>
@@ -4927,7 +5287,7 @@
           <a:sym typeface="Arial"/>
         </a:defRPr>
       </a:lvl3pPr>
-      <a:lvl4pPr lvl="3" marR="0" rtl="0" algn="l">
+      <a:lvl4pPr marR="0" lvl="3" algn="l" rtl="0">
         <a:lnSpc>
           <a:spcPct val="100000"/>
         </a:lnSpc>
@@ -4941,7 +5301,7 @@
           <a:srgbClr val="000000"/>
         </a:buClr>
         <a:buFont typeface="Arial"/>
-        <a:defRPr b="0" i="0" sz="1400" u="none" cap="none" strike="noStrike">
+        <a:defRPr sz="1400" b="0" i="0" u="none" strike="noStrike" cap="none">
           <a:solidFill>
             <a:srgbClr val="000000"/>
           </a:solidFill>
@@ -4951,7 +5311,7 @@
           <a:sym typeface="Arial"/>
         </a:defRPr>
       </a:lvl4pPr>
-      <a:lvl5pPr lvl="4" marR="0" rtl="0" algn="l">
+      <a:lvl5pPr marR="0" lvl="4" algn="l" rtl="0">
         <a:lnSpc>
           <a:spcPct val="100000"/>
         </a:lnSpc>
@@ -4965,7 +5325,7 @@
           <a:srgbClr val="000000"/>
         </a:buClr>
         <a:buFont typeface="Arial"/>
-        <a:defRPr b="0" i="0" sz="1400" u="none" cap="none" strike="noStrike">
+        <a:defRPr sz="1400" b="0" i="0" u="none" strike="noStrike" cap="none">
           <a:solidFill>
             <a:srgbClr val="000000"/>
           </a:solidFill>
@@ -4975,7 +5335,7 @@
           <a:sym typeface="Arial"/>
         </a:defRPr>
       </a:lvl5pPr>
-      <a:lvl6pPr lvl="5" marR="0" rtl="0" algn="l">
+      <a:lvl6pPr marR="0" lvl="5" algn="l" rtl="0">
         <a:lnSpc>
           <a:spcPct val="100000"/>
         </a:lnSpc>
@@ -4989,7 +5349,7 @@
           <a:srgbClr val="000000"/>
         </a:buClr>
         <a:buFont typeface="Arial"/>
-        <a:defRPr b="0" i="0" sz="1400" u="none" cap="none" strike="noStrike">
+        <a:defRPr sz="1400" b="0" i="0" u="none" strike="noStrike" cap="none">
           <a:solidFill>
             <a:srgbClr val="000000"/>
           </a:solidFill>
@@ -4999,7 +5359,7 @@
           <a:sym typeface="Arial"/>
         </a:defRPr>
       </a:lvl6pPr>
-      <a:lvl7pPr lvl="6" marR="0" rtl="0" algn="l">
+      <a:lvl7pPr marR="0" lvl="6" algn="l" rtl="0">
         <a:lnSpc>
           <a:spcPct val="100000"/>
         </a:lnSpc>
@@ -5013,7 +5373,7 @@
           <a:srgbClr val="000000"/>
         </a:buClr>
         <a:buFont typeface="Arial"/>
-        <a:defRPr b="0" i="0" sz="1400" u="none" cap="none" strike="noStrike">
+        <a:defRPr sz="1400" b="0" i="0" u="none" strike="noStrike" cap="none">
           <a:solidFill>
             <a:srgbClr val="000000"/>
           </a:solidFill>
@@ -5023,7 +5383,7 @@
           <a:sym typeface="Arial"/>
         </a:defRPr>
       </a:lvl7pPr>
-      <a:lvl8pPr lvl="7" marR="0" rtl="0" algn="l">
+      <a:lvl8pPr marR="0" lvl="7" algn="l" rtl="0">
         <a:lnSpc>
           <a:spcPct val="100000"/>
         </a:lnSpc>
@@ -5037,7 +5397,7 @@
           <a:srgbClr val="000000"/>
         </a:buClr>
         <a:buFont typeface="Arial"/>
-        <a:defRPr b="0" i="0" sz="1400" u="none" cap="none" strike="noStrike">
+        <a:defRPr sz="1400" b="0" i="0" u="none" strike="noStrike" cap="none">
           <a:solidFill>
             <a:srgbClr val="000000"/>
           </a:solidFill>
@@ -5047,7 +5407,7 @@
           <a:sym typeface="Arial"/>
         </a:defRPr>
       </a:lvl8pPr>
-      <a:lvl9pPr lvl="8" marR="0" rtl="0" algn="l">
+      <a:lvl9pPr marR="0" lvl="8" algn="l" rtl="0">
         <a:lnSpc>
           <a:spcPct val="100000"/>
         </a:lnSpc>
@@ -5061,7 +5421,7 @@
           <a:srgbClr val="000000"/>
         </a:buClr>
         <a:buFont typeface="Arial"/>
-        <a:defRPr b="0" i="0" sz="1400" u="none" cap="none" strike="noStrike">
+        <a:defRPr sz="1400" b="0" i="0" u="none" strike="noStrike" cap="none">
           <a:solidFill>
             <a:srgbClr val="000000"/>
           </a:solidFill>
@@ -5073,7 +5433,7 @@
       </a:lvl9pPr>
     </p:titleStyle>
     <p:bodyStyle>
-      <a:defPPr lvl="0" marR="0" rtl="0" algn="l">
+      <a:defPPr marR="0" lvl="0" algn="l" rtl="0">
         <a:lnSpc>
           <a:spcPct val="100000"/>
         </a:lnSpc>
@@ -5084,7 +5444,7 @@
           <a:spcPts val="0"/>
         </a:spcAft>
       </a:defPPr>
-      <a:lvl1pPr lvl="0" marR="0" rtl="0" algn="l">
+      <a:lvl1pPr marR="0" lvl="0" algn="l" rtl="0">
         <a:lnSpc>
           <a:spcPct val="100000"/>
         </a:lnSpc>
@@ -5098,7 +5458,7 @@
           <a:srgbClr val="000000"/>
         </a:buClr>
         <a:buFont typeface="Arial"/>
-        <a:defRPr b="0" i="0" sz="1400" u="none" cap="none" strike="noStrike">
+        <a:defRPr sz="1400" b="0" i="0" u="none" strike="noStrike" cap="none">
           <a:solidFill>
             <a:srgbClr val="000000"/>
           </a:solidFill>
@@ -5108,7 +5468,7 @@
           <a:sym typeface="Arial"/>
         </a:defRPr>
       </a:lvl1pPr>
-      <a:lvl2pPr lvl="1" marR="0" rtl="0" algn="l">
+      <a:lvl2pPr marR="0" lvl="1" algn="l" rtl="0">
         <a:lnSpc>
           <a:spcPct val="100000"/>
         </a:lnSpc>
@@ -5122,7 +5482,7 @@
           <a:srgbClr val="000000"/>
         </a:buClr>
         <a:buFont typeface="Arial"/>
-        <a:defRPr b="0" i="0" sz="1400" u="none" cap="none" strike="noStrike">
+        <a:defRPr sz="1400" b="0" i="0" u="none" strike="noStrike" cap="none">
           <a:solidFill>
             <a:srgbClr val="000000"/>
           </a:solidFill>
@@ -5132,7 +5492,7 @@
           <a:sym typeface="Arial"/>
         </a:defRPr>
       </a:lvl2pPr>
-      <a:lvl3pPr lvl="2" marR="0" rtl="0" algn="l">
+      <a:lvl3pPr marR="0" lvl="2" algn="l" rtl="0">
         <a:lnSpc>
           <a:spcPct val="100000"/>
         </a:lnSpc>
@@ -5146,7 +5506,7 @@
           <a:srgbClr val="000000"/>
         </a:buClr>
         <a:buFont typeface="Arial"/>
-        <a:defRPr b="0" i="0" sz="1400" u="none" cap="none" strike="noStrike">
+        <a:defRPr sz="1400" b="0" i="0" u="none" strike="noStrike" cap="none">
           <a:solidFill>
             <a:srgbClr val="000000"/>
           </a:solidFill>
@@ -5156,7 +5516,7 @@
           <a:sym typeface="Arial"/>
         </a:defRPr>
       </a:lvl3pPr>
-      <a:lvl4pPr lvl="3" marR="0" rtl="0" algn="l">
+      <a:lvl4pPr marR="0" lvl="3" algn="l" rtl="0">
         <a:lnSpc>
           <a:spcPct val="100000"/>
         </a:lnSpc>
@@ -5170,7 +5530,7 @@
           <a:srgbClr val="000000"/>
         </a:buClr>
         <a:buFont typeface="Arial"/>
-        <a:defRPr b="0" i="0" sz="1400" u="none" cap="none" strike="noStrike">
+        <a:defRPr sz="1400" b="0" i="0" u="none" strike="noStrike" cap="none">
           <a:solidFill>
             <a:srgbClr val="000000"/>
           </a:solidFill>
@@ -5180,7 +5540,7 @@
           <a:sym typeface="Arial"/>
         </a:defRPr>
       </a:lvl4pPr>
-      <a:lvl5pPr lvl="4" marR="0" rtl="0" algn="l">
+      <a:lvl5pPr marR="0" lvl="4" algn="l" rtl="0">
         <a:lnSpc>
           <a:spcPct val="100000"/>
         </a:lnSpc>
@@ -5194,7 +5554,7 @@
           <a:srgbClr val="000000"/>
         </a:buClr>
         <a:buFont typeface="Arial"/>
-        <a:defRPr b="0" i="0" sz="1400" u="none" cap="none" strike="noStrike">
+        <a:defRPr sz="1400" b="0" i="0" u="none" strike="noStrike" cap="none">
           <a:solidFill>
             <a:srgbClr val="000000"/>
           </a:solidFill>
@@ -5204,7 +5564,7 @@
           <a:sym typeface="Arial"/>
         </a:defRPr>
       </a:lvl5pPr>
-      <a:lvl6pPr lvl="5" marR="0" rtl="0" algn="l">
+      <a:lvl6pPr marR="0" lvl="5" algn="l" rtl="0">
         <a:lnSpc>
           <a:spcPct val="100000"/>
         </a:lnSpc>
@@ -5218,7 +5578,7 @@
           <a:srgbClr val="000000"/>
         </a:buClr>
         <a:buFont typeface="Arial"/>
-        <a:defRPr b="0" i="0" sz="1400" u="none" cap="none" strike="noStrike">
+        <a:defRPr sz="1400" b="0" i="0" u="none" strike="noStrike" cap="none">
           <a:solidFill>
             <a:srgbClr val="000000"/>
           </a:solidFill>
@@ -5228,7 +5588,7 @@
           <a:sym typeface="Arial"/>
         </a:defRPr>
       </a:lvl6pPr>
-      <a:lvl7pPr lvl="6" marR="0" rtl="0" algn="l">
+      <a:lvl7pPr marR="0" lvl="6" algn="l" rtl="0">
         <a:lnSpc>
           <a:spcPct val="100000"/>
         </a:lnSpc>
@@ -5242,7 +5602,7 @@
           <a:srgbClr val="000000"/>
         </a:buClr>
         <a:buFont typeface="Arial"/>
-        <a:defRPr b="0" i="0" sz="1400" u="none" cap="none" strike="noStrike">
+        <a:defRPr sz="1400" b="0" i="0" u="none" strike="noStrike" cap="none">
           <a:solidFill>
             <a:srgbClr val="000000"/>
           </a:solidFill>
@@ -5252,7 +5612,7 @@
           <a:sym typeface="Arial"/>
         </a:defRPr>
       </a:lvl7pPr>
-      <a:lvl8pPr lvl="7" marR="0" rtl="0" algn="l">
+      <a:lvl8pPr marR="0" lvl="7" algn="l" rtl="0">
         <a:lnSpc>
           <a:spcPct val="100000"/>
         </a:lnSpc>
@@ -5266,7 +5626,7 @@
           <a:srgbClr val="000000"/>
         </a:buClr>
         <a:buFont typeface="Arial"/>
-        <a:defRPr b="0" i="0" sz="1400" u="none" cap="none" strike="noStrike">
+        <a:defRPr sz="1400" b="0" i="0" u="none" strike="noStrike" cap="none">
           <a:solidFill>
             <a:srgbClr val="000000"/>
           </a:solidFill>
@@ -5276,7 +5636,7 @@
           <a:sym typeface="Arial"/>
         </a:defRPr>
       </a:lvl8pPr>
-      <a:lvl9pPr lvl="8" marR="0" rtl="0" algn="l">
+      <a:lvl9pPr marR="0" lvl="8" algn="l" rtl="0">
         <a:lnSpc>
           <a:spcPct val="100000"/>
         </a:lnSpc>
@@ -5290,7 +5650,7 @@
           <a:srgbClr val="000000"/>
         </a:buClr>
         <a:buFont typeface="Arial"/>
-        <a:defRPr b="0" i="0" sz="1400" u="none" cap="none" strike="noStrike">
+        <a:defRPr sz="1400" b="0" i="0" u="none" strike="noStrike" cap="none">
           <a:solidFill>
             <a:srgbClr val="000000"/>
           </a:solidFill>
@@ -5302,7 +5662,7 @@
       </a:lvl9pPr>
     </p:bodyStyle>
     <p:otherStyle>
-      <a:defPPr lvl="0" marR="0" rtl="0" algn="l">
+      <a:defPPr marR="0" lvl="0" algn="l" rtl="0">
         <a:lnSpc>
           <a:spcPct val="100000"/>
         </a:lnSpc>
@@ -5313,7 +5673,7 @@
           <a:spcPts val="0"/>
         </a:spcAft>
       </a:defPPr>
-      <a:lvl1pPr lvl="0" marR="0" rtl="0" algn="l">
+      <a:lvl1pPr marR="0" lvl="0" algn="l" rtl="0">
         <a:lnSpc>
           <a:spcPct val="100000"/>
         </a:lnSpc>
@@ -5327,7 +5687,7 @@
           <a:srgbClr val="000000"/>
         </a:buClr>
         <a:buFont typeface="Arial"/>
-        <a:defRPr b="0" i="0" sz="1400" u="none" cap="none" strike="noStrike">
+        <a:defRPr sz="1400" b="0" i="0" u="none" strike="noStrike" cap="none">
           <a:solidFill>
             <a:srgbClr val="000000"/>
           </a:solidFill>
@@ -5337,7 +5697,7 @@
           <a:sym typeface="Arial"/>
         </a:defRPr>
       </a:lvl1pPr>
-      <a:lvl2pPr lvl="1" marR="0" rtl="0" algn="l">
+      <a:lvl2pPr marR="0" lvl="1" algn="l" rtl="0">
         <a:lnSpc>
           <a:spcPct val="100000"/>
         </a:lnSpc>
@@ -5351,7 +5711,7 @@
           <a:srgbClr val="000000"/>
         </a:buClr>
         <a:buFont typeface="Arial"/>
-        <a:defRPr b="0" i="0" sz="1400" u="none" cap="none" strike="noStrike">
+        <a:defRPr sz="1400" b="0" i="0" u="none" strike="noStrike" cap="none">
           <a:solidFill>
             <a:srgbClr val="000000"/>
           </a:solidFill>
@@ -5361,7 +5721,7 @@
           <a:sym typeface="Arial"/>
         </a:defRPr>
       </a:lvl2pPr>
-      <a:lvl3pPr lvl="2" marR="0" rtl="0" algn="l">
+      <a:lvl3pPr marR="0" lvl="2" algn="l" rtl="0">
         <a:lnSpc>
           <a:spcPct val="100000"/>
         </a:lnSpc>
@@ -5375,7 +5735,7 @@
           <a:srgbClr val="000000"/>
         </a:buClr>
         <a:buFont typeface="Arial"/>
-        <a:defRPr b="0" i="0" sz="1400" u="none" cap="none" strike="noStrike">
+        <a:defRPr sz="1400" b="0" i="0" u="none" strike="noStrike" cap="none">
           <a:solidFill>
             <a:srgbClr val="000000"/>
           </a:solidFill>
@@ -5385,7 +5745,7 @@
           <a:sym typeface="Arial"/>
         </a:defRPr>
       </a:lvl3pPr>
-      <a:lvl4pPr lvl="3" marR="0" rtl="0" algn="l">
+      <a:lvl4pPr marR="0" lvl="3" algn="l" rtl="0">
         <a:lnSpc>
           <a:spcPct val="100000"/>
         </a:lnSpc>
@@ -5399,7 +5759,7 @@
           <a:srgbClr val="000000"/>
         </a:buClr>
         <a:buFont typeface="Arial"/>
-        <a:defRPr b="0" i="0" sz="1400" u="none" cap="none" strike="noStrike">
+        <a:defRPr sz="1400" b="0" i="0" u="none" strike="noStrike" cap="none">
           <a:solidFill>
             <a:srgbClr val="000000"/>
           </a:solidFill>
@@ -5409,7 +5769,7 @@
           <a:sym typeface="Arial"/>
         </a:defRPr>
       </a:lvl4pPr>
-      <a:lvl5pPr lvl="4" marR="0" rtl="0" algn="l">
+      <a:lvl5pPr marR="0" lvl="4" algn="l" rtl="0">
         <a:lnSpc>
           <a:spcPct val="100000"/>
         </a:lnSpc>
@@ -5423,7 +5783,7 @@
           <a:srgbClr val="000000"/>
         </a:buClr>
         <a:buFont typeface="Arial"/>
-        <a:defRPr b="0" i="0" sz="1400" u="none" cap="none" strike="noStrike">
+        <a:defRPr sz="1400" b="0" i="0" u="none" strike="noStrike" cap="none">
           <a:solidFill>
             <a:srgbClr val="000000"/>
           </a:solidFill>
@@ -5433,7 +5793,7 @@
           <a:sym typeface="Arial"/>
         </a:defRPr>
       </a:lvl5pPr>
-      <a:lvl6pPr lvl="5" marR="0" rtl="0" algn="l">
+      <a:lvl6pPr marR="0" lvl="5" algn="l" rtl="0">
         <a:lnSpc>
           <a:spcPct val="100000"/>
         </a:lnSpc>
@@ -5447,7 +5807,7 @@
           <a:srgbClr val="000000"/>
         </a:buClr>
         <a:buFont typeface="Arial"/>
-        <a:defRPr b="0" i="0" sz="1400" u="none" cap="none" strike="noStrike">
+        <a:defRPr sz="1400" b="0" i="0" u="none" strike="noStrike" cap="none">
           <a:solidFill>
             <a:srgbClr val="000000"/>
           </a:solidFill>
@@ -5457,7 +5817,7 @@
           <a:sym typeface="Arial"/>
         </a:defRPr>
       </a:lvl6pPr>
-      <a:lvl7pPr lvl="6" marR="0" rtl="0" algn="l">
+      <a:lvl7pPr marR="0" lvl="6" algn="l" rtl="0">
         <a:lnSpc>
           <a:spcPct val="100000"/>
         </a:lnSpc>
@@ -5471,7 +5831,7 @@
           <a:srgbClr val="000000"/>
         </a:buClr>
         <a:buFont typeface="Arial"/>
-        <a:defRPr b="0" i="0" sz="1400" u="none" cap="none" strike="noStrike">
+        <a:defRPr sz="1400" b="0" i="0" u="none" strike="noStrike" cap="none">
           <a:solidFill>
             <a:srgbClr val="000000"/>
           </a:solidFill>
@@ -5481,7 +5841,7 @@
           <a:sym typeface="Arial"/>
         </a:defRPr>
       </a:lvl7pPr>
-      <a:lvl8pPr lvl="7" marR="0" rtl="0" algn="l">
+      <a:lvl8pPr marR="0" lvl="7" algn="l" rtl="0">
         <a:lnSpc>
           <a:spcPct val="100000"/>
         </a:lnSpc>
@@ -5495,7 +5855,7 @@
           <a:srgbClr val="000000"/>
         </a:buClr>
         <a:buFont typeface="Arial"/>
-        <a:defRPr b="0" i="0" sz="1400" u="none" cap="none" strike="noStrike">
+        <a:defRPr sz="1400" b="0" i="0" u="none" strike="noStrike" cap="none">
           <a:solidFill>
             <a:srgbClr val="000000"/>
           </a:solidFill>
@@ -5505,7 +5865,7 @@
           <a:sym typeface="Arial"/>
         </a:defRPr>
       </a:lvl8pPr>
-      <a:lvl9pPr lvl="8" marR="0" rtl="0" algn="l">
+      <a:lvl9pPr marR="0" lvl="8" algn="l" rtl="0">
         <a:lnSpc>
           <a:spcPct val="100000"/>
         </a:lnSpc>
@@ -5519,7 +5879,7 @@
           <a:srgbClr val="000000"/>
         </a:buClr>
         <a:buFont typeface="Arial"/>
-        <a:defRPr b="0" i="0" sz="1400" u="none" cap="none" strike="noStrike">
+        <a:defRPr sz="1400" b="0" i="0" u="none" strike="noStrike" cap="none">
           <a:solidFill>
             <a:srgbClr val="000000"/>
           </a:solidFill>
@@ -5535,7 +5895,7 @@
 </file>
 
 <file path=ppt/slides/slide1.xml><?xml version="1.0" encoding="utf-8"?>
-<p:sld xmlns:a="http://schemas.openxmlformats.org/drawingml/2006/main" xmlns:r="http://schemas.openxmlformats.org/officeDocument/2006/relationships" xmlns:mc="http://schemas.openxmlformats.org/markup-compatibility/2006" xmlns:mv="urn:schemas-microsoft-com:mac:vml" xmlns:p="http://schemas.openxmlformats.org/presentationml/2006/main" xmlns:c="http://schemas.openxmlformats.org/drawingml/2006/chart" xmlns:dgm="http://schemas.openxmlformats.org/drawingml/2006/diagram" xmlns:o="urn:schemas-microsoft-com:office:office" xmlns:v="urn:schemas-microsoft-com:vml" xmlns:pvml="urn:schemas-microsoft-com:office:powerpoint" xmlns:com="http://schemas.openxmlformats.org/drawingml/2006/compatibility" xmlns:p14="http://schemas.microsoft.com/office/powerpoint/2010/main" xmlns:p15="http://schemas.microsoft.com/office/powerpoint/2012/main">
+<p:sld xmlns:a="http://schemas.openxmlformats.org/drawingml/2006/main" xmlns:r="http://schemas.openxmlformats.org/officeDocument/2006/relationships" xmlns:p="http://schemas.openxmlformats.org/presentationml/2006/main">
   <p:cSld>
     <p:bg>
       <p:bgPr>
@@ -5549,15 +5909,16 @@
             </a:gs>
           </a:gsLst>
           <a:path path="circle">
-            <a:fillToRect b="50%" l="50%" r="50%" t="50%"/>
+            <a:fillToRect l="50000" t="50000" r="50000" b="50000"/>
           </a:path>
           <a:tileRect/>
         </a:gradFill>
+        <a:effectLst/>
       </p:bgPr>
     </p:bg>
     <p:spTree>
       <p:nvGrpSpPr>
-        <p:cNvPr id="53" name="Shape 53"/>
+        <p:cNvPr id="1" name="Shape 53"/>
         <p:cNvGrpSpPr/>
         <p:nvPr/>
       </p:nvGrpSpPr>
@@ -5579,7 +5940,7 @@
           <a:blip r:embed="rId3">
             <a:alphaModFix amt="54000"/>
           </a:blip>
-          <a:srcRect b="-2009" l="1758" r="0" t="2010"/>
+          <a:srcRect l="1758" t="2010" b="-2009"/>
           <a:stretch/>
         </p:blipFill>
         <p:spPr>
@@ -5613,29 +5974,64 @@
         </p:spPr>
         <p:txBody>
           <a:bodyPr>
-            <a:prstTxWarp prst="textPlain"/>
+            <a:prstTxWarp prst="textPlain">
+              <a:avLst/>
+            </a:prstTxWarp>
           </a:bodyPr>
           <a:lstStyle/>
           <a:p>
             <a:pPr lvl="0" algn="ctr"/>
             <a:r>
-              <a:rPr b="1" i="0">
-                <a:ln cap="flat" cmpd="sng" w="9525">
+              <a:rPr b="1" i="0" dirty="0">
+                <a:ln w="9525" cap="flat" cmpd="sng">
                   <a:solidFill>
                     <a:schemeClr val="dk2"/>
                   </a:solidFill>
                   <a:prstDash val="solid"/>
                   <a:round/>
-                  <a:headEnd len="sm" w="sm" type="none"/>
-                  <a:tailEnd len="sm" w="sm" type="none"/>
+                  <a:headEnd type="none" w="sm" len="sm"/>
+                  <a:tailEnd type="none" w="sm" len="sm"/>
                 </a:ln>
                 <a:solidFill>
-                  <a:srgbClr val="FFFF00"/>
+                  <a:srgbClr val="002060"/>
                 </a:solidFill>
                 <a:latin typeface="Times New Roman"/>
               </a:rPr>
-              <a:t>Exciting journey to Manali</a:t>
+              <a:t>Exciting journey </a:t>
             </a:r>
+            <a:r>
+              <a:rPr b="1" i="0" dirty="0" smtClean="0">
+                <a:ln w="9525" cap="flat" cmpd="sng">
+                  <a:solidFill>
+                    <a:schemeClr val="dk2"/>
+                  </a:solidFill>
+                  <a:prstDash val="solid"/>
+                  <a:round/>
+                  <a:headEnd type="none" w="sm" len="sm"/>
+                  <a:tailEnd type="none" w="sm" len="sm"/>
+                </a:ln>
+                <a:solidFill>
+                  <a:srgbClr val="002060"/>
+                </a:solidFill>
+                <a:latin typeface="Times New Roman"/>
+              </a:rPr>
+              <a:t>to Manali</a:t>
+            </a:r>
+            <a:endParaRPr b="1" i="0" dirty="0">
+              <a:ln w="9525" cap="flat" cmpd="sng">
+                <a:solidFill>
+                  <a:schemeClr val="dk2"/>
+                </a:solidFill>
+                <a:prstDash val="solid"/>
+                <a:round/>
+                <a:headEnd type="none" w="sm" len="sm"/>
+                <a:tailEnd type="none" w="sm" len="sm"/>
+              </a:ln>
+              <a:solidFill>
+                <a:srgbClr val="002060"/>
+              </a:solidFill>
+              <a:latin typeface="Times New Roman"/>
+            </a:endParaRPr>
           </a:p>
         </p:txBody>
       </p:sp>
@@ -5647,8 +6043,8 @@
         </p:nvSpPr>
         <p:spPr>
           <a:xfrm>
-            <a:off x="4572000" y="3584675"/>
-            <a:ext cx="4277400" cy="1032300"/>
+            <a:off x="4659782" y="4111142"/>
+            <a:ext cx="3940900" cy="257115"/>
           </a:xfrm>
           <a:prstGeom prst="rect">
             <a:avLst/>
@@ -5659,12 +6055,12 @@
           </a:ln>
         </p:spPr>
         <p:txBody>
-          <a:bodyPr anchorCtr="0" anchor="t" bIns="91425" lIns="91425" spcFirstLastPara="1" rIns="91425" wrap="square" tIns="91425">
+          <a:bodyPr spcFirstLastPara="1" wrap="square" lIns="91425" tIns="91425" rIns="91425" bIns="91425" anchor="t" anchorCtr="0">
             <a:noAutofit/>
           </a:bodyPr>
           <a:lstStyle/>
           <a:p>
-            <a:pPr indent="0" lvl="0" marL="0" rtl="0" algn="l">
+            <a:pPr marL="0" lvl="0" indent="0" algn="l" rtl="0">
               <a:spcBef>
                 <a:spcPts val="0"/>
               </a:spcBef>
@@ -5674,21 +6070,21 @@
               <a:buNone/>
             </a:pPr>
             <a:r>
-              <a:rPr b="1" lang="en-GB" sz="2400">
+              <a:rPr lang="en-GB" sz="2400" b="1" dirty="0">
                 <a:solidFill>
-                  <a:srgbClr val="FFFF00"/>
+                  <a:srgbClr val="002060"/>
                 </a:solidFill>
               </a:rPr>
               <a:t>MADE BY:-</a:t>
             </a:r>
-            <a:endParaRPr b="1" sz="2400">
+            <a:endParaRPr sz="2400" b="1" dirty="0">
               <a:solidFill>
-                <a:srgbClr val="FFFF00"/>
+                <a:srgbClr val="002060"/>
               </a:solidFill>
             </a:endParaRPr>
           </a:p>
           <a:p>
-            <a:pPr indent="0" lvl="0" marL="0" rtl="0" algn="l">
+            <a:pPr marL="0" lvl="0" indent="0" algn="l" rtl="0">
               <a:spcBef>
                 <a:spcPts val="0"/>
               </a:spcBef>
@@ -5698,16 +6094,16 @@
               <a:buNone/>
             </a:pPr>
             <a:r>
-              <a:rPr b="1" lang="en-GB" sz="2400">
+              <a:rPr lang="en-GB" sz="2400" b="1" dirty="0">
                 <a:solidFill>
-                  <a:srgbClr val="FFFF00"/>
+                  <a:srgbClr val="002060"/>
                 </a:solidFill>
               </a:rPr>
               <a:t>ASMITA CHANDRAKAR</a:t>
             </a:r>
-            <a:endParaRPr b="1" sz="2400">
+            <a:endParaRPr sz="2400" b="1" dirty="0">
               <a:solidFill>
-                <a:srgbClr val="FFFF00"/>
+                <a:srgbClr val="002060"/>
               </a:solidFill>
               <a:latin typeface="Times New Roman"/>
               <a:ea typeface="Times New Roman"/>
@@ -5725,13 +6121,13 @@
   <p:timing>
     <p:tnLst>
       <p:par>
-        <p:cTn dur="indefinite" nodeType="tmRoot" restart="never">
+        <p:cTn id="1" dur="indefinite" restart="never" nodeType="tmRoot">
           <p:childTnLst>
             <p:seq concurrent="1" nextAc="seek">
-              <p:cTn dur="indefinite" id="2" nodeType="mainSeq">
+              <p:cTn id="2" dur="indefinite" nodeType="mainSeq">
                 <p:childTnLst>
                   <p:par>
-                    <p:cTn fill="hold">
+                    <p:cTn id="3" fill="hold">
                       <p:stCondLst>
                         <p:cond delay="indefinite"/>
                         <p:cond evt="onBegin" delay="0">
@@ -5740,20 +6136,20 @@
                       </p:stCondLst>
                       <p:childTnLst>
                         <p:par>
-                          <p:cTn fill="hold">
+                          <p:cTn id="4" fill="hold">
                             <p:stCondLst>
                               <p:cond delay="0"/>
                             </p:stCondLst>
                             <p:childTnLst>
                               <p:par>
-                                <p:cTn fill="hold" nodeType="withEffect" presetClass="entr" presetID="10" presetSubtype="0">
+                                <p:cTn id="5" presetID="10" presetClass="entr" presetSubtype="0" fill="hold" nodeType="withEffect">
                                   <p:stCondLst>
                                     <p:cond delay="0"/>
                                   </p:stCondLst>
                                   <p:childTnLst>
                                     <p:set>
                                       <p:cBhvr>
-                                        <p:cTn dur="1" fill="hold">
+                                        <p:cTn id="6" dur="1" fill="hold">
                                           <p:stCondLst>
                                             <p:cond delay="0"/>
                                           </p:stCondLst>
@@ -5769,9 +6165,9 @@
                                         <p:strVal val="visible"/>
                                       </p:to>
                                     </p:set>
-                                    <p:animEffect filter="fade" transition="in">
+                                    <p:animEffect transition="in" filter="fade">
                                       <p:cBhvr>
-                                        <p:cTn dur="1000"/>
+                                        <p:cTn id="7" dur="1000"/>
                                         <p:tgtEl>
                                           <p:spTgt spid="54"/>
                                         </p:tgtEl>
@@ -5789,14 +6185,14 @@
                 </p:childTnLst>
               </p:cTn>
               <p:prevCondLst>
-                <p:cond evt="onPrev">
+                <p:cond evt="onPrev" delay="0">
                   <p:tgtEl>
                     <p:sldTgt/>
                   </p:tgtEl>
                 </p:cond>
               </p:prevCondLst>
               <p:nextCondLst>
-                <p:cond evt="onNext">
+                <p:cond evt="onNext" delay="0">
                   <p:tgtEl>
                     <p:sldTgt/>
                   </p:tgtEl>
@@ -5812,11 +6208,400 @@
 </file>
 
 <file path=ppt/slides/slide2.xml><?xml version="1.0" encoding="utf-8"?>
-<p:sld xmlns:a="http://schemas.openxmlformats.org/drawingml/2006/main" xmlns:r="http://schemas.openxmlformats.org/officeDocument/2006/relationships" xmlns:mc="http://schemas.openxmlformats.org/markup-compatibility/2006" xmlns:mv="urn:schemas-microsoft-com:mac:vml" xmlns:p="http://schemas.openxmlformats.org/presentationml/2006/main" xmlns:c="http://schemas.openxmlformats.org/drawingml/2006/chart" xmlns:dgm="http://schemas.openxmlformats.org/drawingml/2006/diagram" xmlns:o="urn:schemas-microsoft-com:office:office" xmlns:v="urn:schemas-microsoft-com:vml" xmlns:pvml="urn:schemas-microsoft-com:office:powerpoint" xmlns:com="http://schemas.openxmlformats.org/drawingml/2006/compatibility" xmlns:p14="http://schemas.microsoft.com/office/powerpoint/2010/main" xmlns:p15="http://schemas.microsoft.com/office/powerpoint/2012/main">
+<p:sld xmlns:a="http://schemas.openxmlformats.org/drawingml/2006/main" xmlns:r="http://schemas.openxmlformats.org/officeDocument/2006/relationships" xmlns:p="http://schemas.openxmlformats.org/presentationml/2006/main">
   <p:cSld>
     <p:spTree>
       <p:nvGrpSpPr>
-        <p:cNvPr id="60" name="Shape 60"/>
+        <p:cNvPr id="1" name="Shape 60"/>
+        <p:cNvGrpSpPr/>
+        <p:nvPr/>
+      </p:nvGrpSpPr>
+      <p:grpSpPr>
+        <a:xfrm>
+          <a:off x="0" y="0"/>
+          <a:ext cx="0" cy="0"/>
+          <a:chOff x="0" y="0"/>
+          <a:chExt cx="0" cy="0"/>
+        </a:xfrm>
+      </p:grpSpPr>
+      <p:pic>
+        <p:nvPicPr>
+          <p:cNvPr id="61" name="Google Shape;61;p14"/>
+          <p:cNvPicPr preferRelativeResize="0"/>
+          <p:nvPr/>
+        </p:nvPicPr>
+        <p:blipFill>
+          <a:blip r:embed="rId3">
+            <a:alphaModFix amt="62000"/>
+          </a:blip>
+          <a:stretch>
+            <a:fillRect/>
+          </a:stretch>
+        </p:blipFill>
+        <p:spPr>
+          <a:xfrm>
+            <a:off x="0" y="-8720"/>
+            <a:ext cx="9144000" cy="5143500"/>
+          </a:xfrm>
+          <a:prstGeom prst="rect">
+            <a:avLst/>
+          </a:prstGeom>
+          <a:noFill/>
+          <a:ln>
+            <a:noFill/>
+          </a:ln>
+        </p:spPr>
+      </p:pic>
+      <p:sp>
+        <p:nvSpPr>
+          <p:cNvPr id="5" name="TextBox 4"/>
+          <p:cNvSpPr txBox="1"/>
+          <p:nvPr/>
+        </p:nvSpPr>
+        <p:spPr>
+          <a:xfrm>
+            <a:off x="636423" y="438912"/>
+            <a:ext cx="7578548" cy="4695868"/>
+          </a:xfrm>
+          <a:prstGeom prst="rect">
+            <a:avLst/>
+          </a:prstGeom>
+          <a:noFill/>
+        </p:spPr>
+        <p:txBody>
+          <a:bodyPr wrap="square" rtlCol="0">
+            <a:spAutoFit/>
+          </a:bodyPr>
+          <a:lstStyle/>
+          <a:p>
+            <a:pPr marL="342900" indent="-342900">
+              <a:buFont typeface="Arial" panose="020B0604020202020204" pitchFamily="34" charset="0"/>
+              <a:buChar char="•"/>
+            </a:pPr>
+            <a:r>
+              <a:rPr lang="en-US" sz="2400" b="1" dirty="0" smtClean="0">
+                <a:solidFill>
+                  <a:srgbClr val="002060"/>
+                </a:solidFill>
+                <a:latin typeface="Times New Roman" panose="02020603050405020304" pitchFamily="18" charset="0"/>
+                <a:cs typeface="Times New Roman" panose="02020603050405020304" pitchFamily="18" charset="0"/>
+              </a:rPr>
+              <a:t>It was a 7 day journey to Manali , Shimla , Mussoorie &amp; Dehradun.</a:t>
+            </a:r>
+          </a:p>
+          <a:p>
+            <a:pPr marL="342900" indent="-342900">
+              <a:buFont typeface="Arial" panose="020B0604020202020204" pitchFamily="34" charset="0"/>
+              <a:buChar char="•"/>
+            </a:pPr>
+            <a:r>
+              <a:rPr lang="en-US" sz="2400" b="1" dirty="0" smtClean="0">
+                <a:solidFill>
+                  <a:srgbClr val="002060"/>
+                </a:solidFill>
+                <a:latin typeface="Times New Roman" panose="02020603050405020304" pitchFamily="18" charset="0"/>
+                <a:cs typeface="Times New Roman" panose="02020603050405020304" pitchFamily="18" charset="0"/>
+              </a:rPr>
+              <a:t>It was a school educational trip with teachers and students.</a:t>
+            </a:r>
+          </a:p>
+          <a:p>
+            <a:pPr marL="342900" indent="-342900">
+              <a:buFont typeface="Arial" panose="020B0604020202020204" pitchFamily="34" charset="0"/>
+              <a:buChar char="•"/>
+            </a:pPr>
+            <a:endParaRPr lang="en-US" sz="2400" b="1" dirty="0">
+              <a:solidFill>
+                <a:srgbClr val="002060"/>
+              </a:solidFill>
+              <a:latin typeface="Times New Roman" panose="02020603050405020304" pitchFamily="18" charset="0"/>
+              <a:cs typeface="Times New Roman" panose="02020603050405020304" pitchFamily="18" charset="0"/>
+            </a:endParaRPr>
+          </a:p>
+          <a:p>
+            <a:pPr marL="342900" indent="-342900">
+              <a:buFont typeface="Arial" panose="020B0604020202020204" pitchFamily="34" charset="0"/>
+              <a:buChar char="•"/>
+            </a:pPr>
+            <a:r>
+              <a:rPr lang="en-US" sz="2400" b="1" dirty="0" smtClean="0">
+                <a:solidFill>
+                  <a:srgbClr val="002060"/>
+                </a:solidFill>
+                <a:latin typeface="Times New Roman" panose="02020603050405020304" pitchFamily="18" charset="0"/>
+                <a:cs typeface="Times New Roman" panose="02020603050405020304" pitchFamily="18" charset="0"/>
+              </a:rPr>
+              <a:t>We went to the place in the month of October in the year 2014.</a:t>
+            </a:r>
+          </a:p>
+          <a:p>
+            <a:pPr marL="342900" indent="-342900">
+              <a:buFont typeface="Arial" panose="020B0604020202020204" pitchFamily="34" charset="0"/>
+              <a:buChar char="•"/>
+            </a:pPr>
+            <a:endParaRPr lang="en-US" sz="2400" b="1" dirty="0">
+              <a:solidFill>
+                <a:srgbClr val="002060"/>
+              </a:solidFill>
+              <a:latin typeface="Times New Roman" panose="02020603050405020304" pitchFamily="18" charset="0"/>
+              <a:cs typeface="Times New Roman" panose="02020603050405020304" pitchFamily="18" charset="0"/>
+            </a:endParaRPr>
+          </a:p>
+          <a:p>
+            <a:pPr marL="342900" indent="-342900">
+              <a:buFont typeface="Arial" panose="020B0604020202020204" pitchFamily="34" charset="0"/>
+              <a:buChar char="•"/>
+            </a:pPr>
+            <a:r>
+              <a:rPr lang="en-US" sz="2400" b="1" dirty="0" smtClean="0">
+                <a:solidFill>
+                  <a:srgbClr val="002060"/>
+                </a:solidFill>
+                <a:latin typeface="Times New Roman" panose="02020603050405020304" pitchFamily="18" charset="0"/>
+                <a:cs typeface="Times New Roman" panose="02020603050405020304" pitchFamily="18" charset="0"/>
+              </a:rPr>
+              <a:t>We went to Ambala Cantt. Station by train and then took a night bus to Manali. </a:t>
+            </a:r>
+          </a:p>
+          <a:p>
+            <a:pPr marL="342900" indent="-342900">
+              <a:buFont typeface="Arial" panose="020B0604020202020204" pitchFamily="34" charset="0"/>
+              <a:buChar char="•"/>
+            </a:pPr>
+            <a:r>
+              <a:rPr lang="en-US" sz="2400" b="1" dirty="0" smtClean="0">
+                <a:solidFill>
+                  <a:srgbClr val="002060"/>
+                </a:solidFill>
+                <a:latin typeface="Times New Roman" panose="02020603050405020304" pitchFamily="18" charset="0"/>
+                <a:cs typeface="Times New Roman" panose="02020603050405020304" pitchFamily="18" charset="0"/>
+              </a:rPr>
+              <a:t>This trip was organized to learn about forests and hill stations of India.</a:t>
+            </a:r>
+          </a:p>
+          <a:p>
+            <a:endParaRPr lang="en-US" dirty="0"/>
+          </a:p>
+        </p:txBody>
+      </p:sp>
+      <p:sp>
+        <p:nvSpPr>
+          <p:cNvPr id="7" name="TextBox 6"/>
+          <p:cNvSpPr txBox="1"/>
+          <p:nvPr/>
+        </p:nvSpPr>
+        <p:spPr>
+          <a:xfrm>
+            <a:off x="0" y="702259"/>
+            <a:ext cx="921715" cy="1169551"/>
+          </a:xfrm>
+          <a:prstGeom prst="rect">
+            <a:avLst/>
+          </a:prstGeom>
+          <a:solidFill>
+            <a:srgbClr val="FFFF00"/>
+          </a:solidFill>
+        </p:spPr>
+        <p:txBody>
+          <a:bodyPr wrap="square" rtlCol="0">
+            <a:spAutoFit/>
+          </a:bodyPr>
+          <a:lstStyle/>
+          <a:p>
+            <a:r>
+              <a:rPr lang="en-US" dirty="0" smtClean="0">
+                <a:solidFill>
+                  <a:srgbClr val="FF0000"/>
+                </a:solidFill>
+              </a:rPr>
+              <a:t>WHAT </a:t>
+            </a:r>
+          </a:p>
+          <a:p>
+            <a:endParaRPr lang="en-US" dirty="0" smtClean="0">
+              <a:solidFill>
+                <a:srgbClr val="FF0000"/>
+              </a:solidFill>
+            </a:endParaRPr>
+          </a:p>
+          <a:p>
+            <a:r>
+              <a:rPr lang="en-US" dirty="0" smtClean="0">
+                <a:solidFill>
+                  <a:srgbClr val="FF0000"/>
+                </a:solidFill>
+              </a:rPr>
+              <a:t>WHERE</a:t>
+            </a:r>
+          </a:p>
+          <a:p>
+            <a:r>
+              <a:rPr lang="en-US" dirty="0" smtClean="0">
+                <a:solidFill>
+                  <a:srgbClr val="FF0000"/>
+                </a:solidFill>
+              </a:rPr>
+              <a:t>     &amp;</a:t>
+            </a:r>
+          </a:p>
+          <a:p>
+            <a:r>
+              <a:rPr lang="en-US" dirty="0" smtClean="0">
+                <a:solidFill>
+                  <a:srgbClr val="FF0000"/>
+                </a:solidFill>
+              </a:rPr>
+              <a:t> WHO</a:t>
+            </a:r>
+            <a:endParaRPr lang="en-US" dirty="0">
+              <a:solidFill>
+                <a:srgbClr val="FF0000"/>
+              </a:solidFill>
+            </a:endParaRPr>
+          </a:p>
+        </p:txBody>
+      </p:sp>
+      <p:sp>
+        <p:nvSpPr>
+          <p:cNvPr id="8" name="TextBox 7"/>
+          <p:cNvSpPr txBox="1"/>
+          <p:nvPr/>
+        </p:nvSpPr>
+        <p:spPr>
+          <a:xfrm>
+            <a:off x="0" y="2662733"/>
+            <a:ext cx="921714" cy="307777"/>
+          </a:xfrm>
+          <a:prstGeom prst="rect">
+            <a:avLst/>
+          </a:prstGeom>
+          <a:solidFill>
+            <a:srgbClr val="FFFF00"/>
+          </a:solidFill>
+        </p:spPr>
+        <p:txBody>
+          <a:bodyPr wrap="square" rtlCol="0">
+            <a:spAutoFit/>
+          </a:bodyPr>
+          <a:lstStyle/>
+          <a:p>
+            <a:r>
+              <a:rPr lang="en-US" dirty="0" smtClean="0">
+                <a:solidFill>
+                  <a:srgbClr val="FF0000"/>
+                </a:solidFill>
+              </a:rPr>
+              <a:t>WHEN</a:t>
+            </a:r>
+            <a:endParaRPr lang="en-US" dirty="0">
+              <a:solidFill>
+                <a:srgbClr val="FF0000"/>
+              </a:solidFill>
+            </a:endParaRPr>
+          </a:p>
+        </p:txBody>
+      </p:sp>
+      <p:sp>
+        <p:nvSpPr>
+          <p:cNvPr id="9" name="TextBox 8"/>
+          <p:cNvSpPr txBox="1"/>
+          <p:nvPr/>
+        </p:nvSpPr>
+        <p:spPr>
+          <a:xfrm>
+            <a:off x="0" y="3679546"/>
+            <a:ext cx="724205" cy="307777"/>
+          </a:xfrm>
+          <a:prstGeom prst="rect">
+            <a:avLst/>
+          </a:prstGeom>
+          <a:solidFill>
+            <a:srgbClr val="FFFF00"/>
+          </a:solidFill>
+        </p:spPr>
+        <p:txBody>
+          <a:bodyPr wrap="square" rtlCol="0">
+            <a:spAutoFit/>
+          </a:bodyPr>
+          <a:lstStyle/>
+          <a:p>
+            <a:r>
+              <a:rPr lang="en-US" dirty="0" smtClean="0">
+                <a:solidFill>
+                  <a:srgbClr val="FF0000"/>
+                </a:solidFill>
+              </a:rPr>
+              <a:t>HOW</a:t>
+            </a:r>
+            <a:endParaRPr lang="en-US" dirty="0">
+              <a:solidFill>
+                <a:srgbClr val="FF0000"/>
+              </a:solidFill>
+            </a:endParaRPr>
+          </a:p>
+        </p:txBody>
+      </p:sp>
+      <p:sp>
+        <p:nvSpPr>
+          <p:cNvPr id="10" name="TextBox 9"/>
+          <p:cNvSpPr txBox="1"/>
+          <p:nvPr/>
+        </p:nvSpPr>
+        <p:spPr>
+          <a:xfrm>
+            <a:off x="1" y="4434955"/>
+            <a:ext cx="680313" cy="307777"/>
+          </a:xfrm>
+          <a:prstGeom prst="rect">
+            <a:avLst/>
+          </a:prstGeom>
+          <a:solidFill>
+            <a:srgbClr val="FFFF00"/>
+          </a:solidFill>
+        </p:spPr>
+        <p:txBody>
+          <a:bodyPr wrap="square" rtlCol="0">
+            <a:spAutoFit/>
+          </a:bodyPr>
+          <a:lstStyle/>
+          <a:p>
+            <a:r>
+              <a:rPr lang="en-US" dirty="0" smtClean="0">
+                <a:solidFill>
+                  <a:srgbClr val="FF0000"/>
+                </a:solidFill>
+              </a:rPr>
+              <a:t>WHY</a:t>
+            </a:r>
+            <a:endParaRPr lang="en-US" dirty="0">
+              <a:solidFill>
+                <a:srgbClr val="FF0000"/>
+              </a:solidFill>
+            </a:endParaRPr>
+          </a:p>
+        </p:txBody>
+      </p:sp>
+    </p:spTree>
+  </p:cSld>
+  <p:clrMapOvr>
+    <a:masterClrMapping/>
+  </p:clrMapOvr>
+  <p:timing>
+    <p:tnLst>
+      <p:par>
+        <p:cTn id="1" dur="indefinite" restart="never" nodeType="tmRoot"/>
+      </p:par>
+    </p:tnLst>
+  </p:timing>
+</p:sld>
+</file>
+
+<file path=ppt/slides/slide3.xml><?xml version="1.0" encoding="utf-8"?>
+<p:sld xmlns:a="http://schemas.openxmlformats.org/drawingml/2006/main" xmlns:r="http://schemas.openxmlformats.org/officeDocument/2006/relationships" xmlns:p="http://schemas.openxmlformats.org/presentationml/2006/main">
+  <p:cSld>
+    <p:spTree>
+      <p:nvGrpSpPr>
+        <p:cNvPr id="1" name="Shape 60"/>
         <p:cNvGrpSpPr/>
         <p:nvPr/>
       </p:nvGrpSpPr>
@@ -5856,16 +6641,376 @@
           </a:ln>
         </p:spPr>
       </p:pic>
+      <p:sp>
+        <p:nvSpPr>
+          <p:cNvPr id="3" name="TextBox 2"/>
+          <p:cNvSpPr txBox="1"/>
+          <p:nvPr/>
+        </p:nvSpPr>
+        <p:spPr>
+          <a:xfrm>
+            <a:off x="797357" y="190194"/>
+            <a:ext cx="7702906" cy="4893647"/>
+          </a:xfrm>
+          <a:prstGeom prst="rect">
+            <a:avLst/>
+          </a:prstGeom>
+          <a:noFill/>
+        </p:spPr>
+        <p:txBody>
+          <a:bodyPr wrap="square" rtlCol="0">
+            <a:spAutoFit/>
+          </a:bodyPr>
+          <a:lstStyle/>
+          <a:p>
+            <a:pPr marL="342900" indent="-342900">
+              <a:buFont typeface="Arial" panose="020B0604020202020204" pitchFamily="34" charset="0"/>
+              <a:buChar char="•"/>
+            </a:pPr>
+            <a:r>
+              <a:rPr lang="en-US" sz="2400" b="1" dirty="0" smtClean="0">
+                <a:solidFill>
+                  <a:srgbClr val="002060"/>
+                </a:solidFill>
+                <a:latin typeface="Times New Roman" panose="02020603050405020304" pitchFamily="18" charset="0"/>
+                <a:cs typeface="Times New Roman" panose="02020603050405020304" pitchFamily="18" charset="0"/>
+              </a:rPr>
+              <a:t>We reached to Rohtang Pass by bus then started our trekking after having breakfast.</a:t>
+            </a:r>
+          </a:p>
+          <a:p>
+            <a:pPr marL="342900" indent="-342900">
+              <a:buFont typeface="Arial" panose="020B0604020202020204" pitchFamily="34" charset="0"/>
+              <a:buChar char="•"/>
+            </a:pPr>
+            <a:endParaRPr lang="en-US" sz="2400" b="1" dirty="0">
+              <a:solidFill>
+                <a:srgbClr val="002060"/>
+              </a:solidFill>
+              <a:latin typeface="Times New Roman" panose="02020603050405020304" pitchFamily="18" charset="0"/>
+              <a:cs typeface="Times New Roman" panose="02020603050405020304" pitchFamily="18" charset="0"/>
+            </a:endParaRPr>
+          </a:p>
+          <a:p>
+            <a:pPr marL="342900" indent="-342900">
+              <a:buFont typeface="Arial" panose="020B0604020202020204" pitchFamily="34" charset="0"/>
+              <a:buChar char="•"/>
+            </a:pPr>
+            <a:r>
+              <a:rPr lang="en-US" sz="2400" b="1" dirty="0" smtClean="0">
+                <a:solidFill>
+                  <a:srgbClr val="002060"/>
+                </a:solidFill>
+                <a:latin typeface="Times New Roman" panose="02020603050405020304" pitchFamily="18" charset="0"/>
+                <a:cs typeface="Times New Roman" panose="02020603050405020304" pitchFamily="18" charset="0"/>
+              </a:rPr>
+              <a:t>Our task was to reach to the topmost point of Rohtang and to hoist a flag.</a:t>
+            </a:r>
+          </a:p>
+          <a:p>
+            <a:pPr marL="342900" indent="-342900">
+              <a:buFont typeface="Arial" panose="020B0604020202020204" pitchFamily="34" charset="0"/>
+              <a:buChar char="•"/>
+            </a:pPr>
+            <a:r>
+              <a:rPr lang="en-US" sz="2400" b="1" dirty="0" smtClean="0">
+                <a:solidFill>
+                  <a:srgbClr val="002060"/>
+                </a:solidFill>
+                <a:latin typeface="Times New Roman" panose="02020603050405020304" pitchFamily="18" charset="0"/>
+                <a:cs typeface="Times New Roman" panose="02020603050405020304" pitchFamily="18" charset="0"/>
+              </a:rPr>
+              <a:t>We all started our journey together slowly we all were scattered in different groups depending on our pace ,also we faced certain hurdles on our way and many times we felt exhausted and lack of oxygen but we carried it anyways .It was a test of perspiration!!</a:t>
+            </a:r>
+          </a:p>
+          <a:p>
+            <a:pPr marL="342900" indent="-342900">
+              <a:buFont typeface="Arial" panose="020B0604020202020204" pitchFamily="34" charset="0"/>
+              <a:buChar char="•"/>
+            </a:pPr>
+            <a:endParaRPr lang="en-US" sz="2400" b="1" dirty="0">
+              <a:solidFill>
+                <a:srgbClr val="002060"/>
+              </a:solidFill>
+              <a:latin typeface="Times New Roman" panose="02020603050405020304" pitchFamily="18" charset="0"/>
+              <a:cs typeface="Times New Roman" panose="02020603050405020304" pitchFamily="18" charset="0"/>
+            </a:endParaRPr>
+          </a:p>
+          <a:p>
+            <a:pPr marL="342900" indent="-342900">
+              <a:buFont typeface="Arial" panose="020B0604020202020204" pitchFamily="34" charset="0"/>
+              <a:buChar char="•"/>
+            </a:pPr>
+            <a:r>
+              <a:rPr lang="en-US" sz="2400" b="1" dirty="0" smtClean="0">
+                <a:solidFill>
+                  <a:srgbClr val="002060"/>
+                </a:solidFill>
+                <a:latin typeface="Times New Roman" panose="02020603050405020304" pitchFamily="18" charset="0"/>
+                <a:cs typeface="Times New Roman" panose="02020603050405020304" pitchFamily="18" charset="0"/>
+              </a:rPr>
+              <a:t>Finally we reached to the topmost point ,hoisted the flag and celebrated the joy.</a:t>
+            </a:r>
+            <a:endParaRPr lang="en-US" sz="2400" b="1" dirty="0">
+              <a:solidFill>
+                <a:srgbClr val="002060"/>
+              </a:solidFill>
+              <a:latin typeface="Times New Roman" panose="02020603050405020304" pitchFamily="18" charset="0"/>
+              <a:cs typeface="Times New Roman" panose="02020603050405020304" pitchFamily="18" charset="0"/>
+            </a:endParaRPr>
+          </a:p>
+        </p:txBody>
+      </p:sp>
+      <p:sp>
+        <p:nvSpPr>
+          <p:cNvPr id="4" name="TextBox 3"/>
+          <p:cNvSpPr txBox="1"/>
+          <p:nvPr/>
+        </p:nvSpPr>
+        <p:spPr>
+          <a:xfrm>
+            <a:off x="0" y="351130"/>
+            <a:ext cx="885139" cy="307777"/>
+          </a:xfrm>
+          <a:prstGeom prst="rect">
+            <a:avLst/>
+          </a:prstGeom>
+          <a:solidFill>
+            <a:schemeClr val="accent6"/>
+          </a:solidFill>
+        </p:spPr>
+        <p:txBody>
+          <a:bodyPr wrap="square" rtlCol="0">
+            <a:spAutoFit/>
+          </a:bodyPr>
+          <a:lstStyle/>
+          <a:p>
+            <a:r>
+              <a:rPr lang="en-US" dirty="0" smtClean="0">
+                <a:solidFill>
+                  <a:srgbClr val="FF0000"/>
+                </a:solidFill>
+              </a:rPr>
+              <a:t>ENTRY</a:t>
+            </a:r>
+            <a:endParaRPr lang="en-US" dirty="0">
+              <a:solidFill>
+                <a:srgbClr val="FF0000"/>
+              </a:solidFill>
+            </a:endParaRPr>
+          </a:p>
+        </p:txBody>
+      </p:sp>
+      <p:sp>
+        <p:nvSpPr>
+          <p:cNvPr id="6" name="TextBox 5"/>
+          <p:cNvSpPr txBox="1"/>
+          <p:nvPr/>
+        </p:nvSpPr>
+        <p:spPr>
+          <a:xfrm>
+            <a:off x="0" y="1711757"/>
+            <a:ext cx="885139" cy="307777"/>
+          </a:xfrm>
+          <a:prstGeom prst="rect">
+            <a:avLst/>
+          </a:prstGeom>
+          <a:solidFill>
+            <a:srgbClr val="FFFF00"/>
+          </a:solidFill>
+        </p:spPr>
+        <p:txBody>
+          <a:bodyPr wrap="square" rtlCol="0">
+            <a:spAutoFit/>
+          </a:bodyPr>
+          <a:lstStyle/>
+          <a:p>
+            <a:r>
+              <a:rPr lang="en-US" dirty="0" smtClean="0">
+                <a:solidFill>
+                  <a:srgbClr val="FF0000"/>
+                </a:solidFill>
+              </a:rPr>
+              <a:t>TASK</a:t>
+            </a:r>
+            <a:endParaRPr lang="en-US" dirty="0">
+              <a:solidFill>
+                <a:srgbClr val="FF0000"/>
+              </a:solidFill>
+            </a:endParaRPr>
+          </a:p>
+        </p:txBody>
+      </p:sp>
+      <p:sp>
+        <p:nvSpPr>
+          <p:cNvPr id="7" name="TextBox 6"/>
+          <p:cNvSpPr txBox="1"/>
+          <p:nvPr/>
+        </p:nvSpPr>
+        <p:spPr>
+          <a:xfrm>
+            <a:off x="0" y="4623206"/>
+            <a:ext cx="885139" cy="307777"/>
+          </a:xfrm>
+          <a:prstGeom prst="rect">
+            <a:avLst/>
+          </a:prstGeom>
+          <a:solidFill>
+            <a:srgbClr val="FFFF00"/>
+          </a:solidFill>
+        </p:spPr>
+        <p:txBody>
+          <a:bodyPr wrap="square" rtlCol="0">
+            <a:spAutoFit/>
+          </a:bodyPr>
+          <a:lstStyle/>
+          <a:p>
+            <a:r>
+              <a:rPr lang="en-US" dirty="0" smtClean="0">
+                <a:solidFill>
+                  <a:srgbClr val="FF0000"/>
+                </a:solidFill>
+              </a:rPr>
+              <a:t>EXIT</a:t>
+            </a:r>
+            <a:endParaRPr lang="en-US" dirty="0">
+              <a:solidFill>
+                <a:srgbClr val="FF0000"/>
+              </a:solidFill>
+            </a:endParaRPr>
+          </a:p>
+        </p:txBody>
+      </p:sp>
     </p:spTree>
+    <p:extLst>
+      <p:ext uri="{BB962C8B-B14F-4D97-AF65-F5344CB8AC3E}">
+        <p14:creationId xmlns:p14="http://schemas.microsoft.com/office/powerpoint/2010/main" val="1821102993"/>
+      </p:ext>
+    </p:extLst>
   </p:cSld>
   <p:clrMapOvr>
     <a:masterClrMapping/>
   </p:clrMapOvr>
+  <p:timing>
+    <p:tnLst>
+      <p:par>
+        <p:cTn id="1" dur="indefinite" restart="never" nodeType="tmRoot"/>
+      </p:par>
+    </p:tnLst>
+  </p:timing>
+</p:sld>
+</file>
+
+<file path=ppt/slides/slide4.xml><?xml version="1.0" encoding="utf-8"?>
+<p:sld xmlns:a="http://schemas.openxmlformats.org/drawingml/2006/main" xmlns:r="http://schemas.openxmlformats.org/officeDocument/2006/relationships" xmlns:p="http://schemas.openxmlformats.org/presentationml/2006/main">
+  <p:cSld>
+    <p:spTree>
+      <p:nvGrpSpPr>
+        <p:cNvPr id="1" name="Shape 60"/>
+        <p:cNvGrpSpPr/>
+        <p:nvPr/>
+      </p:nvGrpSpPr>
+      <p:grpSpPr>
+        <a:xfrm>
+          <a:off x="0" y="0"/>
+          <a:ext cx="0" cy="0"/>
+          <a:chOff x="0" y="0"/>
+          <a:chExt cx="0" cy="0"/>
+        </a:xfrm>
+      </p:grpSpPr>
+      <p:pic>
+        <p:nvPicPr>
+          <p:cNvPr id="61" name="Google Shape;61;p14"/>
+          <p:cNvPicPr preferRelativeResize="0"/>
+          <p:nvPr/>
+        </p:nvPicPr>
+        <p:blipFill>
+          <a:blip r:embed="rId3">
+            <a:alphaModFix amt="62000"/>
+          </a:blip>
+          <a:stretch>
+            <a:fillRect/>
+          </a:stretch>
+        </p:blipFill>
+        <p:spPr>
+          <a:xfrm>
+            <a:off x="0" y="0"/>
+            <a:ext cx="9144000" cy="5143500"/>
+          </a:xfrm>
+          <a:prstGeom prst="rect">
+            <a:avLst/>
+          </a:prstGeom>
+          <a:noFill/>
+          <a:ln>
+            <a:noFill/>
+          </a:ln>
+        </p:spPr>
+      </p:pic>
+      <p:sp>
+        <p:nvSpPr>
+          <p:cNvPr id="2" name="TextBox 1"/>
+          <p:cNvSpPr txBox="1"/>
+          <p:nvPr/>
+        </p:nvSpPr>
+        <p:spPr>
+          <a:xfrm>
+            <a:off x="1448410" y="1887322"/>
+            <a:ext cx="5369356" cy="830997"/>
+          </a:xfrm>
+          <a:prstGeom prst="rect">
+            <a:avLst/>
+          </a:prstGeom>
+          <a:noFill/>
+        </p:spPr>
+        <p:txBody>
+          <a:bodyPr wrap="square" rtlCol="0">
+            <a:spAutoFit/>
+          </a:bodyPr>
+          <a:lstStyle/>
+          <a:p>
+            <a:pPr algn="ctr"/>
+            <a:r>
+              <a:rPr lang="en-US" sz="4800" b="1" dirty="0" smtClean="0">
+                <a:solidFill>
+                  <a:srgbClr val="002060"/>
+                </a:solidFill>
+                <a:latin typeface="Times New Roman" panose="02020603050405020304" pitchFamily="18" charset="0"/>
+                <a:cs typeface="Times New Roman" panose="02020603050405020304" pitchFamily="18" charset="0"/>
+              </a:rPr>
+              <a:t>THANKYOU</a:t>
+            </a:r>
+            <a:endParaRPr lang="en-US" sz="4800" b="1" dirty="0">
+              <a:solidFill>
+                <a:srgbClr val="002060"/>
+              </a:solidFill>
+              <a:latin typeface="Times New Roman" panose="02020603050405020304" pitchFamily="18" charset="0"/>
+              <a:cs typeface="Times New Roman" panose="02020603050405020304" pitchFamily="18" charset="0"/>
+            </a:endParaRPr>
+          </a:p>
+        </p:txBody>
+      </p:sp>
+    </p:spTree>
+    <p:extLst>
+      <p:ext uri="{BB962C8B-B14F-4D97-AF65-F5344CB8AC3E}">
+        <p14:creationId xmlns:p14="http://schemas.microsoft.com/office/powerpoint/2010/main" val="3418001221"/>
+      </p:ext>
+    </p:extLst>
+  </p:cSld>
+  <p:clrMapOvr>
+    <a:masterClrMapping/>
+  </p:clrMapOvr>
+  <p:timing>
+    <p:tnLst>
+      <p:par>
+        <p:cTn id="1" dur="indefinite" restart="never" nodeType="tmRoot"/>
+      </p:par>
+    </p:tnLst>
+  </p:timing>
 </p:sld>
 </file>
 
 <file path=ppt/theme/theme1.xml><?xml version="1.0" encoding="utf-8"?>
-<a:theme xmlns:a="http://schemas.openxmlformats.org/drawingml/2006/main" xmlns:r="http://schemas.openxmlformats.org/officeDocument/2006/relationships" name="Simple Light">
+<a:theme xmlns:a="http://schemas.openxmlformats.org/drawingml/2006/main" name="Simple Light">
   <a:themeElements>
     <a:clrScheme name="Simple Light">
       <a:dk1>
@@ -6140,11 +7285,13 @@
       </a:bgFillStyleLst>
     </a:fmtScheme>
   </a:themeElements>
+  <a:objectDefaults/>
+  <a:extraClrSchemeLst/>
 </a:theme>
 </file>
 
 <file path=ppt/theme/theme2.xml><?xml version="1.0" encoding="utf-8"?>
-<a:theme xmlns:a="http://schemas.openxmlformats.org/drawingml/2006/main" xmlns:r="http://schemas.openxmlformats.org/officeDocument/2006/relationships">
+<a:theme xmlns:a="http://schemas.openxmlformats.org/drawingml/2006/main">
   <a:themeElements>
     <a:clrScheme name="Default">
       <a:dk1>
@@ -6419,5 +7566,7 @@
       </a:bgFillStyleLst>
     </a:fmtScheme>
   </a:themeElements>
+  <a:objectDefaults/>
+  <a:extraClrSchemeLst/>
 </a:theme>
 </file>